--- a/docs/Presentation/eShopper Presentation.pptx
+++ b/docs/Presentation/eShopper Presentation.pptx
@@ -143,7 +143,7 @@
           <p:cNvPr id="2" name="Title 1">
             <a:extLst>
               <a:ext uri="{FF2B5EF4-FFF2-40B4-BE49-F238E27FC236}">
-                <a16:creationId xmlns:a16="http://schemas.microsoft.com/office/drawing/2014/main" xmlns="" id="{E2832087-C3AC-4A68-84F7-10E9A1CC8B59}"/>
+                <a16:creationId xmlns="" xmlns:a16="http://schemas.microsoft.com/office/drawing/2014/main" id="{E2832087-C3AC-4A68-84F7-10E9A1CC8B59}"/>
               </a:ext>
             </a:extLst>
           </p:cNvPr>
@@ -180,7 +180,7 @@
           <p:cNvPr id="3" name="Subtitle 2">
             <a:extLst>
               <a:ext uri="{FF2B5EF4-FFF2-40B4-BE49-F238E27FC236}">
-                <a16:creationId xmlns:a16="http://schemas.microsoft.com/office/drawing/2014/main" xmlns="" id="{8E472DF3-4184-4288-A8AF-6EE4184BA0A4}"/>
+                <a16:creationId xmlns="" xmlns:a16="http://schemas.microsoft.com/office/drawing/2014/main" id="{8E472DF3-4184-4288-A8AF-6EE4184BA0A4}"/>
               </a:ext>
             </a:extLst>
           </p:cNvPr>
@@ -250,7 +250,7 @@
           <p:cNvPr id="4" name="Date Placeholder 3">
             <a:extLst>
               <a:ext uri="{FF2B5EF4-FFF2-40B4-BE49-F238E27FC236}">
-                <a16:creationId xmlns:a16="http://schemas.microsoft.com/office/drawing/2014/main" xmlns="" id="{517355E8-495B-430D-A8D9-3CF0D18C3754}"/>
+                <a16:creationId xmlns="" xmlns:a16="http://schemas.microsoft.com/office/drawing/2014/main" id="{517355E8-495B-430D-A8D9-3CF0D18C3754}"/>
               </a:ext>
             </a:extLst>
           </p:cNvPr>
@@ -268,7 +268,7 @@
           <a:p>
             <a:fld id="{7FDF512C-6E10-497B-9786-E911B39FFF20}" type="datetimeFigureOut">
               <a:rPr lang="en-US" smtClean="0"/>
-              <a:t>6/15/2020</a:t>
+              <a:t>6/16/2020</a:t>
             </a:fld>
             <a:endParaRPr lang="en-US"/>
           </a:p>
@@ -279,7 +279,7 @@
           <p:cNvPr id="5" name="Footer Placeholder 4">
             <a:extLst>
               <a:ext uri="{FF2B5EF4-FFF2-40B4-BE49-F238E27FC236}">
-                <a16:creationId xmlns:a16="http://schemas.microsoft.com/office/drawing/2014/main" xmlns="" id="{3806DA4B-2381-4BD8-A984-634A0378C699}"/>
+                <a16:creationId xmlns="" xmlns:a16="http://schemas.microsoft.com/office/drawing/2014/main" id="{3806DA4B-2381-4BD8-A984-634A0378C699}"/>
               </a:ext>
             </a:extLst>
           </p:cNvPr>
@@ -304,7 +304,7 @@
           <p:cNvPr id="6" name="Slide Number Placeholder 5">
             <a:extLst>
               <a:ext uri="{FF2B5EF4-FFF2-40B4-BE49-F238E27FC236}">
-                <a16:creationId xmlns:a16="http://schemas.microsoft.com/office/drawing/2014/main" xmlns="" id="{F87C954E-D903-4927-AD08-CBA0337EF15E}"/>
+                <a16:creationId xmlns="" xmlns:a16="http://schemas.microsoft.com/office/drawing/2014/main" id="{F87C954E-D903-4927-AD08-CBA0337EF15E}"/>
               </a:ext>
             </a:extLst>
           </p:cNvPr>
@@ -363,7 +363,7 @@
           <p:cNvPr id="2" name="Title 1">
             <a:extLst>
               <a:ext uri="{FF2B5EF4-FFF2-40B4-BE49-F238E27FC236}">
-                <a16:creationId xmlns:a16="http://schemas.microsoft.com/office/drawing/2014/main" xmlns="" id="{4FE961C0-CD84-411C-8E6D-6DEC0381F439}"/>
+                <a16:creationId xmlns="" xmlns:a16="http://schemas.microsoft.com/office/drawing/2014/main" id="{4FE961C0-CD84-411C-8E6D-6DEC0381F439}"/>
               </a:ext>
             </a:extLst>
           </p:cNvPr>
@@ -391,7 +391,7 @@
           <p:cNvPr id="3" name="Vertical Text Placeholder 2">
             <a:extLst>
               <a:ext uri="{FF2B5EF4-FFF2-40B4-BE49-F238E27FC236}">
-                <a16:creationId xmlns:a16="http://schemas.microsoft.com/office/drawing/2014/main" xmlns="" id="{D1318F48-5F2C-49A3-A94F-8E52522B1F86}"/>
+                <a16:creationId xmlns="" xmlns:a16="http://schemas.microsoft.com/office/drawing/2014/main" id="{D1318F48-5F2C-49A3-A94F-8E52522B1F86}"/>
               </a:ext>
             </a:extLst>
           </p:cNvPr>
@@ -448,7 +448,7 @@
           <p:cNvPr id="4" name="Date Placeholder 3">
             <a:extLst>
               <a:ext uri="{FF2B5EF4-FFF2-40B4-BE49-F238E27FC236}">
-                <a16:creationId xmlns:a16="http://schemas.microsoft.com/office/drawing/2014/main" xmlns="" id="{9CFDD58F-3CCB-430C-A004-E22C4EE2D464}"/>
+                <a16:creationId xmlns="" xmlns:a16="http://schemas.microsoft.com/office/drawing/2014/main" id="{9CFDD58F-3CCB-430C-A004-E22C4EE2D464}"/>
               </a:ext>
             </a:extLst>
           </p:cNvPr>
@@ -466,7 +466,7 @@
           <a:p>
             <a:fld id="{7FDF512C-6E10-497B-9786-E911B39FFF20}" type="datetimeFigureOut">
               <a:rPr lang="en-US" smtClean="0"/>
-              <a:t>6/15/2020</a:t>
+              <a:t>6/16/2020</a:t>
             </a:fld>
             <a:endParaRPr lang="en-US"/>
           </a:p>
@@ -477,7 +477,7 @@
           <p:cNvPr id="5" name="Footer Placeholder 4">
             <a:extLst>
               <a:ext uri="{FF2B5EF4-FFF2-40B4-BE49-F238E27FC236}">
-                <a16:creationId xmlns:a16="http://schemas.microsoft.com/office/drawing/2014/main" xmlns="" id="{AD64AC9B-00F3-4FDD-BD94-7E1E52B4A400}"/>
+                <a16:creationId xmlns="" xmlns:a16="http://schemas.microsoft.com/office/drawing/2014/main" id="{AD64AC9B-00F3-4FDD-BD94-7E1E52B4A400}"/>
               </a:ext>
             </a:extLst>
           </p:cNvPr>
@@ -502,7 +502,7 @@
           <p:cNvPr id="6" name="Slide Number Placeholder 5">
             <a:extLst>
               <a:ext uri="{FF2B5EF4-FFF2-40B4-BE49-F238E27FC236}">
-                <a16:creationId xmlns:a16="http://schemas.microsoft.com/office/drawing/2014/main" xmlns="" id="{05CE3D43-9382-4F65-80A0-13016B357E48}"/>
+                <a16:creationId xmlns="" xmlns:a16="http://schemas.microsoft.com/office/drawing/2014/main" id="{05CE3D43-9382-4F65-80A0-13016B357E48}"/>
               </a:ext>
             </a:extLst>
           </p:cNvPr>
@@ -561,7 +561,7 @@
           <p:cNvPr id="2" name="Vertical Title 1">
             <a:extLst>
               <a:ext uri="{FF2B5EF4-FFF2-40B4-BE49-F238E27FC236}">
-                <a16:creationId xmlns:a16="http://schemas.microsoft.com/office/drawing/2014/main" xmlns="" id="{D3C898EA-2A00-430A-A2C8-E78551207543}"/>
+                <a16:creationId xmlns="" xmlns:a16="http://schemas.microsoft.com/office/drawing/2014/main" id="{D3C898EA-2A00-430A-A2C8-E78551207543}"/>
               </a:ext>
             </a:extLst>
           </p:cNvPr>
@@ -594,7 +594,7 @@
           <p:cNvPr id="3" name="Vertical Text Placeholder 2">
             <a:extLst>
               <a:ext uri="{FF2B5EF4-FFF2-40B4-BE49-F238E27FC236}">
-                <a16:creationId xmlns:a16="http://schemas.microsoft.com/office/drawing/2014/main" xmlns="" id="{32AF3448-DE00-4FA0-9224-B81DA4EBF5F8}"/>
+                <a16:creationId xmlns="" xmlns:a16="http://schemas.microsoft.com/office/drawing/2014/main" id="{32AF3448-DE00-4FA0-9224-B81DA4EBF5F8}"/>
               </a:ext>
             </a:extLst>
           </p:cNvPr>
@@ -656,7 +656,7 @@
           <p:cNvPr id="4" name="Date Placeholder 3">
             <a:extLst>
               <a:ext uri="{FF2B5EF4-FFF2-40B4-BE49-F238E27FC236}">
-                <a16:creationId xmlns:a16="http://schemas.microsoft.com/office/drawing/2014/main" xmlns="" id="{F3E0FEAC-D5B0-40EA-9365-CFCCDCF0EF2E}"/>
+                <a16:creationId xmlns="" xmlns:a16="http://schemas.microsoft.com/office/drawing/2014/main" id="{F3E0FEAC-D5B0-40EA-9365-CFCCDCF0EF2E}"/>
               </a:ext>
             </a:extLst>
           </p:cNvPr>
@@ -674,7 +674,7 @@
           <a:p>
             <a:fld id="{7FDF512C-6E10-497B-9786-E911B39FFF20}" type="datetimeFigureOut">
               <a:rPr lang="en-US" smtClean="0"/>
-              <a:t>6/15/2020</a:t>
+              <a:t>6/16/2020</a:t>
             </a:fld>
             <a:endParaRPr lang="en-US"/>
           </a:p>
@@ -685,7 +685,7 @@
           <p:cNvPr id="5" name="Footer Placeholder 4">
             <a:extLst>
               <a:ext uri="{FF2B5EF4-FFF2-40B4-BE49-F238E27FC236}">
-                <a16:creationId xmlns:a16="http://schemas.microsoft.com/office/drawing/2014/main" xmlns="" id="{3FB81426-2ADB-4BCB-8C20-B9957D8A51CE}"/>
+                <a16:creationId xmlns="" xmlns:a16="http://schemas.microsoft.com/office/drawing/2014/main" id="{3FB81426-2ADB-4BCB-8C20-B9957D8A51CE}"/>
               </a:ext>
             </a:extLst>
           </p:cNvPr>
@@ -710,7 +710,7 @@
           <p:cNvPr id="6" name="Slide Number Placeholder 5">
             <a:extLst>
               <a:ext uri="{FF2B5EF4-FFF2-40B4-BE49-F238E27FC236}">
-                <a16:creationId xmlns:a16="http://schemas.microsoft.com/office/drawing/2014/main" xmlns="" id="{C8476EF8-6823-48D8-B6C5-9FFC451E16FF}"/>
+                <a16:creationId xmlns="" xmlns:a16="http://schemas.microsoft.com/office/drawing/2014/main" id="{C8476EF8-6823-48D8-B6C5-9FFC451E16FF}"/>
               </a:ext>
             </a:extLst>
           </p:cNvPr>
@@ -769,7 +769,7 @@
           <p:cNvPr id="2" name="Title 1">
             <a:extLst>
               <a:ext uri="{FF2B5EF4-FFF2-40B4-BE49-F238E27FC236}">
-                <a16:creationId xmlns:a16="http://schemas.microsoft.com/office/drawing/2014/main" xmlns="" id="{FB516B03-EEF8-4F3D-BF69-6B795CCC2C81}"/>
+                <a16:creationId xmlns="" xmlns:a16="http://schemas.microsoft.com/office/drawing/2014/main" id="{FB516B03-EEF8-4F3D-BF69-6B795CCC2C81}"/>
               </a:ext>
             </a:extLst>
           </p:cNvPr>
@@ -797,7 +797,7 @@
           <p:cNvPr id="3" name="Content Placeholder 2">
             <a:extLst>
               <a:ext uri="{FF2B5EF4-FFF2-40B4-BE49-F238E27FC236}">
-                <a16:creationId xmlns:a16="http://schemas.microsoft.com/office/drawing/2014/main" xmlns="" id="{CEACE985-2174-47A0-B65C-EC91BDB9B253}"/>
+                <a16:creationId xmlns="" xmlns:a16="http://schemas.microsoft.com/office/drawing/2014/main" id="{CEACE985-2174-47A0-B65C-EC91BDB9B253}"/>
               </a:ext>
             </a:extLst>
           </p:cNvPr>
@@ -854,7 +854,7 @@
           <p:cNvPr id="4" name="Date Placeholder 3">
             <a:extLst>
               <a:ext uri="{FF2B5EF4-FFF2-40B4-BE49-F238E27FC236}">
-                <a16:creationId xmlns:a16="http://schemas.microsoft.com/office/drawing/2014/main" xmlns="" id="{A3BA514D-9CB9-4161-B11B-D02782DBD543}"/>
+                <a16:creationId xmlns="" xmlns:a16="http://schemas.microsoft.com/office/drawing/2014/main" id="{A3BA514D-9CB9-4161-B11B-D02782DBD543}"/>
               </a:ext>
             </a:extLst>
           </p:cNvPr>
@@ -872,7 +872,7 @@
           <a:p>
             <a:fld id="{7FDF512C-6E10-497B-9786-E911B39FFF20}" type="datetimeFigureOut">
               <a:rPr lang="en-US" smtClean="0"/>
-              <a:t>6/15/2020</a:t>
+              <a:t>6/16/2020</a:t>
             </a:fld>
             <a:endParaRPr lang="en-US"/>
           </a:p>
@@ -883,7 +883,7 @@
           <p:cNvPr id="5" name="Footer Placeholder 4">
             <a:extLst>
               <a:ext uri="{FF2B5EF4-FFF2-40B4-BE49-F238E27FC236}">
-                <a16:creationId xmlns:a16="http://schemas.microsoft.com/office/drawing/2014/main" xmlns="" id="{9248C514-4961-453B-81C8-62C9DDB7638C}"/>
+                <a16:creationId xmlns="" xmlns:a16="http://schemas.microsoft.com/office/drawing/2014/main" id="{9248C514-4961-453B-81C8-62C9DDB7638C}"/>
               </a:ext>
             </a:extLst>
           </p:cNvPr>
@@ -908,7 +908,7 @@
           <p:cNvPr id="6" name="Slide Number Placeholder 5">
             <a:extLst>
               <a:ext uri="{FF2B5EF4-FFF2-40B4-BE49-F238E27FC236}">
-                <a16:creationId xmlns:a16="http://schemas.microsoft.com/office/drawing/2014/main" xmlns="" id="{53404942-5921-452C-B910-EC951F1E562B}"/>
+                <a16:creationId xmlns="" xmlns:a16="http://schemas.microsoft.com/office/drawing/2014/main" id="{53404942-5921-452C-B910-EC951F1E562B}"/>
               </a:ext>
             </a:extLst>
           </p:cNvPr>
@@ -967,7 +967,7 @@
           <p:cNvPr id="2" name="Title 1">
             <a:extLst>
               <a:ext uri="{FF2B5EF4-FFF2-40B4-BE49-F238E27FC236}">
-                <a16:creationId xmlns:a16="http://schemas.microsoft.com/office/drawing/2014/main" xmlns="" id="{F3BFEF7B-9AE7-44AA-AC41-D242CF902424}"/>
+                <a16:creationId xmlns="" xmlns:a16="http://schemas.microsoft.com/office/drawing/2014/main" id="{F3BFEF7B-9AE7-44AA-AC41-D242CF902424}"/>
               </a:ext>
             </a:extLst>
           </p:cNvPr>
@@ -1004,7 +1004,7 @@
           <p:cNvPr id="3" name="Text Placeholder 2">
             <a:extLst>
               <a:ext uri="{FF2B5EF4-FFF2-40B4-BE49-F238E27FC236}">
-                <a16:creationId xmlns:a16="http://schemas.microsoft.com/office/drawing/2014/main" xmlns="" id="{391158B4-D8E6-4052-B4CB-2E08DDEFBC5E}"/>
+                <a16:creationId xmlns="" xmlns:a16="http://schemas.microsoft.com/office/drawing/2014/main" id="{391158B4-D8E6-4052-B4CB-2E08DDEFBC5E}"/>
               </a:ext>
             </a:extLst>
           </p:cNvPr>
@@ -1129,7 +1129,7 @@
           <p:cNvPr id="4" name="Date Placeholder 3">
             <a:extLst>
               <a:ext uri="{FF2B5EF4-FFF2-40B4-BE49-F238E27FC236}">
-                <a16:creationId xmlns:a16="http://schemas.microsoft.com/office/drawing/2014/main" xmlns="" id="{B20D08F4-9562-4B56-8BD6-5AA8E097A312}"/>
+                <a16:creationId xmlns="" xmlns:a16="http://schemas.microsoft.com/office/drawing/2014/main" id="{B20D08F4-9562-4B56-8BD6-5AA8E097A312}"/>
               </a:ext>
             </a:extLst>
           </p:cNvPr>
@@ -1147,7 +1147,7 @@
           <a:p>
             <a:fld id="{7FDF512C-6E10-497B-9786-E911B39FFF20}" type="datetimeFigureOut">
               <a:rPr lang="en-US" smtClean="0"/>
-              <a:t>6/15/2020</a:t>
+              <a:t>6/16/2020</a:t>
             </a:fld>
             <a:endParaRPr lang="en-US"/>
           </a:p>
@@ -1158,7 +1158,7 @@
           <p:cNvPr id="5" name="Footer Placeholder 4">
             <a:extLst>
               <a:ext uri="{FF2B5EF4-FFF2-40B4-BE49-F238E27FC236}">
-                <a16:creationId xmlns:a16="http://schemas.microsoft.com/office/drawing/2014/main" xmlns="" id="{E530AC0A-B232-487C-A104-1182C18AE7A6}"/>
+                <a16:creationId xmlns="" xmlns:a16="http://schemas.microsoft.com/office/drawing/2014/main" id="{E530AC0A-B232-487C-A104-1182C18AE7A6}"/>
               </a:ext>
             </a:extLst>
           </p:cNvPr>
@@ -1183,7 +1183,7 @@
           <p:cNvPr id="6" name="Slide Number Placeholder 5">
             <a:extLst>
               <a:ext uri="{FF2B5EF4-FFF2-40B4-BE49-F238E27FC236}">
-                <a16:creationId xmlns:a16="http://schemas.microsoft.com/office/drawing/2014/main" xmlns="" id="{B1CB733E-551D-4A01-A28F-C795A57EB044}"/>
+                <a16:creationId xmlns="" xmlns:a16="http://schemas.microsoft.com/office/drawing/2014/main" id="{B1CB733E-551D-4A01-A28F-C795A57EB044}"/>
               </a:ext>
             </a:extLst>
           </p:cNvPr>
@@ -1242,7 +1242,7 @@
           <p:cNvPr id="2" name="Title 1">
             <a:extLst>
               <a:ext uri="{FF2B5EF4-FFF2-40B4-BE49-F238E27FC236}">
-                <a16:creationId xmlns:a16="http://schemas.microsoft.com/office/drawing/2014/main" xmlns="" id="{F5BBBA41-CAA5-4512-8BBC-B023569004C6}"/>
+                <a16:creationId xmlns="" xmlns:a16="http://schemas.microsoft.com/office/drawing/2014/main" id="{F5BBBA41-CAA5-4512-8BBC-B023569004C6}"/>
               </a:ext>
             </a:extLst>
           </p:cNvPr>
@@ -1270,7 +1270,7 @@
           <p:cNvPr id="3" name="Content Placeholder 2">
             <a:extLst>
               <a:ext uri="{FF2B5EF4-FFF2-40B4-BE49-F238E27FC236}">
-                <a16:creationId xmlns:a16="http://schemas.microsoft.com/office/drawing/2014/main" xmlns="" id="{BC7D143B-FB9E-47F8-BF0C-B4134CD58585}"/>
+                <a16:creationId xmlns="" xmlns:a16="http://schemas.microsoft.com/office/drawing/2014/main" id="{BC7D143B-FB9E-47F8-BF0C-B4134CD58585}"/>
               </a:ext>
             </a:extLst>
           </p:cNvPr>
@@ -1332,7 +1332,7 @@
           <p:cNvPr id="4" name="Content Placeholder 3">
             <a:extLst>
               <a:ext uri="{FF2B5EF4-FFF2-40B4-BE49-F238E27FC236}">
-                <a16:creationId xmlns:a16="http://schemas.microsoft.com/office/drawing/2014/main" xmlns="" id="{1DB76F1A-2749-43F2-8324-5A8D2E9E21B6}"/>
+                <a16:creationId xmlns="" xmlns:a16="http://schemas.microsoft.com/office/drawing/2014/main" id="{1DB76F1A-2749-43F2-8324-5A8D2E9E21B6}"/>
               </a:ext>
             </a:extLst>
           </p:cNvPr>
@@ -1394,7 +1394,7 @@
           <p:cNvPr id="5" name="Date Placeholder 4">
             <a:extLst>
               <a:ext uri="{FF2B5EF4-FFF2-40B4-BE49-F238E27FC236}">
-                <a16:creationId xmlns:a16="http://schemas.microsoft.com/office/drawing/2014/main" xmlns="" id="{2CCD8226-1FE3-43C8-ABAB-6544E82E67A6}"/>
+                <a16:creationId xmlns="" xmlns:a16="http://schemas.microsoft.com/office/drawing/2014/main" id="{2CCD8226-1FE3-43C8-ABAB-6544E82E67A6}"/>
               </a:ext>
             </a:extLst>
           </p:cNvPr>
@@ -1412,7 +1412,7 @@
           <a:p>
             <a:fld id="{7FDF512C-6E10-497B-9786-E911B39FFF20}" type="datetimeFigureOut">
               <a:rPr lang="en-US" smtClean="0"/>
-              <a:t>6/15/2020</a:t>
+              <a:t>6/16/2020</a:t>
             </a:fld>
             <a:endParaRPr lang="en-US"/>
           </a:p>
@@ -1423,7 +1423,7 @@
           <p:cNvPr id="6" name="Footer Placeholder 5">
             <a:extLst>
               <a:ext uri="{FF2B5EF4-FFF2-40B4-BE49-F238E27FC236}">
-                <a16:creationId xmlns:a16="http://schemas.microsoft.com/office/drawing/2014/main" xmlns="" id="{7E13B5B2-1BF6-4A32-B1C6-223A63AAA349}"/>
+                <a16:creationId xmlns="" xmlns:a16="http://schemas.microsoft.com/office/drawing/2014/main" id="{7E13B5B2-1BF6-4A32-B1C6-223A63AAA349}"/>
               </a:ext>
             </a:extLst>
           </p:cNvPr>
@@ -1448,7 +1448,7 @@
           <p:cNvPr id="7" name="Slide Number Placeholder 6">
             <a:extLst>
               <a:ext uri="{FF2B5EF4-FFF2-40B4-BE49-F238E27FC236}">
-                <a16:creationId xmlns:a16="http://schemas.microsoft.com/office/drawing/2014/main" xmlns="" id="{A1511CF0-0DD1-4364-840F-854AC0B7EA59}"/>
+                <a16:creationId xmlns="" xmlns:a16="http://schemas.microsoft.com/office/drawing/2014/main" id="{A1511CF0-0DD1-4364-840F-854AC0B7EA59}"/>
               </a:ext>
             </a:extLst>
           </p:cNvPr>
@@ -1507,7 +1507,7 @@
           <p:cNvPr id="2" name="Title 1">
             <a:extLst>
               <a:ext uri="{FF2B5EF4-FFF2-40B4-BE49-F238E27FC236}">
-                <a16:creationId xmlns:a16="http://schemas.microsoft.com/office/drawing/2014/main" xmlns="" id="{6B33FE91-5806-4635-B9BA-5EE04A89BA82}"/>
+                <a16:creationId xmlns="" xmlns:a16="http://schemas.microsoft.com/office/drawing/2014/main" id="{6B33FE91-5806-4635-B9BA-5EE04A89BA82}"/>
               </a:ext>
             </a:extLst>
           </p:cNvPr>
@@ -1540,7 +1540,7 @@
           <p:cNvPr id="3" name="Text Placeholder 2">
             <a:extLst>
               <a:ext uri="{FF2B5EF4-FFF2-40B4-BE49-F238E27FC236}">
-                <a16:creationId xmlns:a16="http://schemas.microsoft.com/office/drawing/2014/main" xmlns="" id="{707FBB2B-D2AA-40A0-88F8-8A75AE591BEB}"/>
+                <a16:creationId xmlns="" xmlns:a16="http://schemas.microsoft.com/office/drawing/2014/main" id="{707FBB2B-D2AA-40A0-88F8-8A75AE591BEB}"/>
               </a:ext>
             </a:extLst>
           </p:cNvPr>
@@ -1611,7 +1611,7 @@
           <p:cNvPr id="4" name="Content Placeholder 3">
             <a:extLst>
               <a:ext uri="{FF2B5EF4-FFF2-40B4-BE49-F238E27FC236}">
-                <a16:creationId xmlns:a16="http://schemas.microsoft.com/office/drawing/2014/main" xmlns="" id="{4FD9F5BD-46B0-484D-AD9F-D4CDB5C2B7C1}"/>
+                <a16:creationId xmlns="" xmlns:a16="http://schemas.microsoft.com/office/drawing/2014/main" id="{4FD9F5BD-46B0-484D-AD9F-D4CDB5C2B7C1}"/>
               </a:ext>
             </a:extLst>
           </p:cNvPr>
@@ -1673,7 +1673,7 @@
           <p:cNvPr id="5" name="Text Placeholder 4">
             <a:extLst>
               <a:ext uri="{FF2B5EF4-FFF2-40B4-BE49-F238E27FC236}">
-                <a16:creationId xmlns:a16="http://schemas.microsoft.com/office/drawing/2014/main" xmlns="" id="{B2921FC0-090A-4418-9EDB-177D1133AC1A}"/>
+                <a16:creationId xmlns="" xmlns:a16="http://schemas.microsoft.com/office/drawing/2014/main" id="{B2921FC0-090A-4418-9EDB-177D1133AC1A}"/>
               </a:ext>
             </a:extLst>
           </p:cNvPr>
@@ -1744,7 +1744,7 @@
           <p:cNvPr id="6" name="Content Placeholder 5">
             <a:extLst>
               <a:ext uri="{FF2B5EF4-FFF2-40B4-BE49-F238E27FC236}">
-                <a16:creationId xmlns:a16="http://schemas.microsoft.com/office/drawing/2014/main" xmlns="" id="{47414333-DB11-4DC6-94A6-F2D644BF2B88}"/>
+                <a16:creationId xmlns="" xmlns:a16="http://schemas.microsoft.com/office/drawing/2014/main" id="{47414333-DB11-4DC6-94A6-F2D644BF2B88}"/>
               </a:ext>
             </a:extLst>
           </p:cNvPr>
@@ -1806,7 +1806,7 @@
           <p:cNvPr id="7" name="Date Placeholder 6">
             <a:extLst>
               <a:ext uri="{FF2B5EF4-FFF2-40B4-BE49-F238E27FC236}">
-                <a16:creationId xmlns:a16="http://schemas.microsoft.com/office/drawing/2014/main" xmlns="" id="{C373E719-BBDF-437E-83B5-EBC42DBAD8C3}"/>
+                <a16:creationId xmlns="" xmlns:a16="http://schemas.microsoft.com/office/drawing/2014/main" id="{C373E719-BBDF-437E-83B5-EBC42DBAD8C3}"/>
               </a:ext>
             </a:extLst>
           </p:cNvPr>
@@ -1824,7 +1824,7 @@
           <a:p>
             <a:fld id="{7FDF512C-6E10-497B-9786-E911B39FFF20}" type="datetimeFigureOut">
               <a:rPr lang="en-US" smtClean="0"/>
-              <a:t>6/15/2020</a:t>
+              <a:t>6/16/2020</a:t>
             </a:fld>
             <a:endParaRPr lang="en-US"/>
           </a:p>
@@ -1835,7 +1835,7 @@
           <p:cNvPr id="8" name="Footer Placeholder 7">
             <a:extLst>
               <a:ext uri="{FF2B5EF4-FFF2-40B4-BE49-F238E27FC236}">
-                <a16:creationId xmlns:a16="http://schemas.microsoft.com/office/drawing/2014/main" xmlns="" id="{721E1F58-1B47-4C22-9A4F-05A81CB576B2}"/>
+                <a16:creationId xmlns="" xmlns:a16="http://schemas.microsoft.com/office/drawing/2014/main" id="{721E1F58-1B47-4C22-9A4F-05A81CB576B2}"/>
               </a:ext>
             </a:extLst>
           </p:cNvPr>
@@ -1860,7 +1860,7 @@
           <p:cNvPr id="9" name="Slide Number Placeholder 8">
             <a:extLst>
               <a:ext uri="{FF2B5EF4-FFF2-40B4-BE49-F238E27FC236}">
-                <a16:creationId xmlns:a16="http://schemas.microsoft.com/office/drawing/2014/main" xmlns="" id="{75B33139-534E-41AB-8A02-9C7D6FB10317}"/>
+                <a16:creationId xmlns="" xmlns:a16="http://schemas.microsoft.com/office/drawing/2014/main" id="{75B33139-534E-41AB-8A02-9C7D6FB10317}"/>
               </a:ext>
             </a:extLst>
           </p:cNvPr>
@@ -1919,7 +1919,7 @@
           <p:cNvPr id="2" name="Title 1">
             <a:extLst>
               <a:ext uri="{FF2B5EF4-FFF2-40B4-BE49-F238E27FC236}">
-                <a16:creationId xmlns:a16="http://schemas.microsoft.com/office/drawing/2014/main" xmlns="" id="{7CF01263-7F7B-4A94-B93C-45F41C696C7D}"/>
+                <a16:creationId xmlns="" xmlns:a16="http://schemas.microsoft.com/office/drawing/2014/main" id="{7CF01263-7F7B-4A94-B93C-45F41C696C7D}"/>
               </a:ext>
             </a:extLst>
           </p:cNvPr>
@@ -1947,7 +1947,7 @@
           <p:cNvPr id="3" name="Date Placeholder 2">
             <a:extLst>
               <a:ext uri="{FF2B5EF4-FFF2-40B4-BE49-F238E27FC236}">
-                <a16:creationId xmlns:a16="http://schemas.microsoft.com/office/drawing/2014/main" xmlns="" id="{5D965071-E8F6-4CE1-B882-3CE2AC210A5D}"/>
+                <a16:creationId xmlns="" xmlns:a16="http://schemas.microsoft.com/office/drawing/2014/main" id="{5D965071-E8F6-4CE1-B882-3CE2AC210A5D}"/>
               </a:ext>
             </a:extLst>
           </p:cNvPr>
@@ -1965,7 +1965,7 @@
           <a:p>
             <a:fld id="{7FDF512C-6E10-497B-9786-E911B39FFF20}" type="datetimeFigureOut">
               <a:rPr lang="en-US" smtClean="0"/>
-              <a:t>6/15/2020</a:t>
+              <a:t>6/16/2020</a:t>
             </a:fld>
             <a:endParaRPr lang="en-US"/>
           </a:p>
@@ -1976,7 +1976,7 @@
           <p:cNvPr id="4" name="Footer Placeholder 3">
             <a:extLst>
               <a:ext uri="{FF2B5EF4-FFF2-40B4-BE49-F238E27FC236}">
-                <a16:creationId xmlns:a16="http://schemas.microsoft.com/office/drawing/2014/main" xmlns="" id="{B23B04C9-D92C-42DD-BFD7-EE5E241A4CD9}"/>
+                <a16:creationId xmlns="" xmlns:a16="http://schemas.microsoft.com/office/drawing/2014/main" id="{B23B04C9-D92C-42DD-BFD7-EE5E241A4CD9}"/>
               </a:ext>
             </a:extLst>
           </p:cNvPr>
@@ -2001,7 +2001,7 @@
           <p:cNvPr id="5" name="Slide Number Placeholder 4">
             <a:extLst>
               <a:ext uri="{FF2B5EF4-FFF2-40B4-BE49-F238E27FC236}">
-                <a16:creationId xmlns:a16="http://schemas.microsoft.com/office/drawing/2014/main" xmlns="" id="{BC5A030D-3FB4-4C6D-B927-53EED8FBA957}"/>
+                <a16:creationId xmlns="" xmlns:a16="http://schemas.microsoft.com/office/drawing/2014/main" id="{BC5A030D-3FB4-4C6D-B927-53EED8FBA957}"/>
               </a:ext>
             </a:extLst>
           </p:cNvPr>
@@ -2060,7 +2060,7 @@
           <p:cNvPr id="2" name="Date Placeholder 1">
             <a:extLst>
               <a:ext uri="{FF2B5EF4-FFF2-40B4-BE49-F238E27FC236}">
-                <a16:creationId xmlns:a16="http://schemas.microsoft.com/office/drawing/2014/main" xmlns="" id="{B20D42A9-B6DB-45CC-BE04-5ED7C5BC5077}"/>
+                <a16:creationId xmlns="" xmlns:a16="http://schemas.microsoft.com/office/drawing/2014/main" id="{B20D42A9-B6DB-45CC-BE04-5ED7C5BC5077}"/>
               </a:ext>
             </a:extLst>
           </p:cNvPr>
@@ -2078,7 +2078,7 @@
           <a:p>
             <a:fld id="{7FDF512C-6E10-497B-9786-E911B39FFF20}" type="datetimeFigureOut">
               <a:rPr lang="en-US" smtClean="0"/>
-              <a:t>6/15/2020</a:t>
+              <a:t>6/16/2020</a:t>
             </a:fld>
             <a:endParaRPr lang="en-US"/>
           </a:p>
@@ -2089,7 +2089,7 @@
           <p:cNvPr id="3" name="Footer Placeholder 2">
             <a:extLst>
               <a:ext uri="{FF2B5EF4-FFF2-40B4-BE49-F238E27FC236}">
-                <a16:creationId xmlns:a16="http://schemas.microsoft.com/office/drawing/2014/main" xmlns="" id="{D0556BFB-FD79-4D21-9367-772229B45639}"/>
+                <a16:creationId xmlns="" xmlns:a16="http://schemas.microsoft.com/office/drawing/2014/main" id="{D0556BFB-FD79-4D21-9367-772229B45639}"/>
               </a:ext>
             </a:extLst>
           </p:cNvPr>
@@ -2114,7 +2114,7 @@
           <p:cNvPr id="4" name="Slide Number Placeholder 3">
             <a:extLst>
               <a:ext uri="{FF2B5EF4-FFF2-40B4-BE49-F238E27FC236}">
-                <a16:creationId xmlns:a16="http://schemas.microsoft.com/office/drawing/2014/main" xmlns="" id="{BAE86E56-8CB1-4515-BE64-B84D2DCAF8F6}"/>
+                <a16:creationId xmlns="" xmlns:a16="http://schemas.microsoft.com/office/drawing/2014/main" id="{BAE86E56-8CB1-4515-BE64-B84D2DCAF8F6}"/>
               </a:ext>
             </a:extLst>
           </p:cNvPr>
@@ -2173,7 +2173,7 @@
           <p:cNvPr id="2" name="Title 1">
             <a:extLst>
               <a:ext uri="{FF2B5EF4-FFF2-40B4-BE49-F238E27FC236}">
-                <a16:creationId xmlns:a16="http://schemas.microsoft.com/office/drawing/2014/main" xmlns="" id="{27425850-5A96-40CF-9773-65308D0E26D5}"/>
+                <a16:creationId xmlns="" xmlns:a16="http://schemas.microsoft.com/office/drawing/2014/main" id="{27425850-5A96-40CF-9773-65308D0E26D5}"/>
               </a:ext>
             </a:extLst>
           </p:cNvPr>
@@ -2210,7 +2210,7 @@
           <p:cNvPr id="3" name="Content Placeholder 2">
             <a:extLst>
               <a:ext uri="{FF2B5EF4-FFF2-40B4-BE49-F238E27FC236}">
-                <a16:creationId xmlns:a16="http://schemas.microsoft.com/office/drawing/2014/main" xmlns="" id="{ED08F5A6-4B6A-4D5C-95B2-E41BCF8613D6}"/>
+                <a16:creationId xmlns="" xmlns:a16="http://schemas.microsoft.com/office/drawing/2014/main" id="{ED08F5A6-4B6A-4D5C-95B2-E41BCF8613D6}"/>
               </a:ext>
             </a:extLst>
           </p:cNvPr>
@@ -2300,7 +2300,7 @@
           <p:cNvPr id="4" name="Text Placeholder 3">
             <a:extLst>
               <a:ext uri="{FF2B5EF4-FFF2-40B4-BE49-F238E27FC236}">
-                <a16:creationId xmlns:a16="http://schemas.microsoft.com/office/drawing/2014/main" xmlns="" id="{FE5CF890-85D6-4923-BA3D-DCBDA4E17BAD}"/>
+                <a16:creationId xmlns="" xmlns:a16="http://schemas.microsoft.com/office/drawing/2014/main" id="{FE5CF890-85D6-4923-BA3D-DCBDA4E17BAD}"/>
               </a:ext>
             </a:extLst>
           </p:cNvPr>
@@ -2371,7 +2371,7 @@
           <p:cNvPr id="5" name="Date Placeholder 4">
             <a:extLst>
               <a:ext uri="{FF2B5EF4-FFF2-40B4-BE49-F238E27FC236}">
-                <a16:creationId xmlns:a16="http://schemas.microsoft.com/office/drawing/2014/main" xmlns="" id="{F5FB6A99-88BB-48DB-A092-6952C24FC579}"/>
+                <a16:creationId xmlns="" xmlns:a16="http://schemas.microsoft.com/office/drawing/2014/main" id="{F5FB6A99-88BB-48DB-A092-6952C24FC579}"/>
               </a:ext>
             </a:extLst>
           </p:cNvPr>
@@ -2389,7 +2389,7 @@
           <a:p>
             <a:fld id="{7FDF512C-6E10-497B-9786-E911B39FFF20}" type="datetimeFigureOut">
               <a:rPr lang="en-US" smtClean="0"/>
-              <a:t>6/15/2020</a:t>
+              <a:t>6/16/2020</a:t>
             </a:fld>
             <a:endParaRPr lang="en-US"/>
           </a:p>
@@ -2400,7 +2400,7 @@
           <p:cNvPr id="6" name="Footer Placeholder 5">
             <a:extLst>
               <a:ext uri="{FF2B5EF4-FFF2-40B4-BE49-F238E27FC236}">
-                <a16:creationId xmlns:a16="http://schemas.microsoft.com/office/drawing/2014/main" xmlns="" id="{152B0953-2FE9-48A2-A4F6-6D02851F8D9C}"/>
+                <a16:creationId xmlns="" xmlns:a16="http://schemas.microsoft.com/office/drawing/2014/main" id="{152B0953-2FE9-48A2-A4F6-6D02851F8D9C}"/>
               </a:ext>
             </a:extLst>
           </p:cNvPr>
@@ -2425,7 +2425,7 @@
           <p:cNvPr id="7" name="Slide Number Placeholder 6">
             <a:extLst>
               <a:ext uri="{FF2B5EF4-FFF2-40B4-BE49-F238E27FC236}">
-                <a16:creationId xmlns:a16="http://schemas.microsoft.com/office/drawing/2014/main" xmlns="" id="{38A45981-8CC6-4B85-B3A7-703FD776CDA0}"/>
+                <a16:creationId xmlns="" xmlns:a16="http://schemas.microsoft.com/office/drawing/2014/main" id="{38A45981-8CC6-4B85-B3A7-703FD776CDA0}"/>
               </a:ext>
             </a:extLst>
           </p:cNvPr>
@@ -2484,7 +2484,7 @@
           <p:cNvPr id="2" name="Title 1">
             <a:extLst>
               <a:ext uri="{FF2B5EF4-FFF2-40B4-BE49-F238E27FC236}">
-                <a16:creationId xmlns:a16="http://schemas.microsoft.com/office/drawing/2014/main" xmlns="" id="{62D85F73-A058-4A33-82E7-FCD16E13A03C}"/>
+                <a16:creationId xmlns="" xmlns:a16="http://schemas.microsoft.com/office/drawing/2014/main" id="{62D85F73-A058-4A33-82E7-FCD16E13A03C}"/>
               </a:ext>
             </a:extLst>
           </p:cNvPr>
@@ -2521,7 +2521,7 @@
           <p:cNvPr id="3" name="Picture Placeholder 2">
             <a:extLst>
               <a:ext uri="{FF2B5EF4-FFF2-40B4-BE49-F238E27FC236}">
-                <a16:creationId xmlns:a16="http://schemas.microsoft.com/office/drawing/2014/main" xmlns="" id="{DB14FBF9-B43C-4F31-AEC3-E248C3179117}"/>
+                <a16:creationId xmlns="" xmlns:a16="http://schemas.microsoft.com/office/drawing/2014/main" id="{DB14FBF9-B43C-4F31-AEC3-E248C3179117}"/>
               </a:ext>
             </a:extLst>
           </p:cNvPr>
@@ -2588,7 +2588,7 @@
           <p:cNvPr id="4" name="Text Placeholder 3">
             <a:extLst>
               <a:ext uri="{FF2B5EF4-FFF2-40B4-BE49-F238E27FC236}">
-                <a16:creationId xmlns:a16="http://schemas.microsoft.com/office/drawing/2014/main" xmlns="" id="{02697D08-12D1-4E60-9BB2-DBD824A1E8E0}"/>
+                <a16:creationId xmlns="" xmlns:a16="http://schemas.microsoft.com/office/drawing/2014/main" id="{02697D08-12D1-4E60-9BB2-DBD824A1E8E0}"/>
               </a:ext>
             </a:extLst>
           </p:cNvPr>
@@ -2659,7 +2659,7 @@
           <p:cNvPr id="5" name="Date Placeholder 4">
             <a:extLst>
               <a:ext uri="{FF2B5EF4-FFF2-40B4-BE49-F238E27FC236}">
-                <a16:creationId xmlns:a16="http://schemas.microsoft.com/office/drawing/2014/main" xmlns="" id="{4E78124C-F930-44A2-B5F7-5C3F1336F64E}"/>
+                <a16:creationId xmlns="" xmlns:a16="http://schemas.microsoft.com/office/drawing/2014/main" id="{4E78124C-F930-44A2-B5F7-5C3F1336F64E}"/>
               </a:ext>
             </a:extLst>
           </p:cNvPr>
@@ -2677,7 +2677,7 @@
           <a:p>
             <a:fld id="{7FDF512C-6E10-497B-9786-E911B39FFF20}" type="datetimeFigureOut">
               <a:rPr lang="en-US" smtClean="0"/>
-              <a:t>6/15/2020</a:t>
+              <a:t>6/16/2020</a:t>
             </a:fld>
             <a:endParaRPr lang="en-US"/>
           </a:p>
@@ -2688,7 +2688,7 @@
           <p:cNvPr id="6" name="Footer Placeholder 5">
             <a:extLst>
               <a:ext uri="{FF2B5EF4-FFF2-40B4-BE49-F238E27FC236}">
-                <a16:creationId xmlns:a16="http://schemas.microsoft.com/office/drawing/2014/main" xmlns="" id="{E45DFCAF-2B76-44A6-88EA-F450AB661AF9}"/>
+                <a16:creationId xmlns="" xmlns:a16="http://schemas.microsoft.com/office/drawing/2014/main" id="{E45DFCAF-2B76-44A6-88EA-F450AB661AF9}"/>
               </a:ext>
             </a:extLst>
           </p:cNvPr>
@@ -2713,7 +2713,7 @@
           <p:cNvPr id="7" name="Slide Number Placeholder 6">
             <a:extLst>
               <a:ext uri="{FF2B5EF4-FFF2-40B4-BE49-F238E27FC236}">
-                <a16:creationId xmlns:a16="http://schemas.microsoft.com/office/drawing/2014/main" xmlns="" id="{C9C27CA6-A572-4FF3-A1E7-433FE6FF9340}"/>
+                <a16:creationId xmlns="" xmlns:a16="http://schemas.microsoft.com/office/drawing/2014/main" id="{C9C27CA6-A572-4FF3-A1E7-433FE6FF9340}"/>
               </a:ext>
             </a:extLst>
           </p:cNvPr>
@@ -2777,7 +2777,7 @@
           <p:cNvPr id="2" name="Title Placeholder 1">
             <a:extLst>
               <a:ext uri="{FF2B5EF4-FFF2-40B4-BE49-F238E27FC236}">
-                <a16:creationId xmlns:a16="http://schemas.microsoft.com/office/drawing/2014/main" xmlns="" id="{E0541E9E-3DFB-413C-BA69-2FB5AB750BE3}"/>
+                <a16:creationId xmlns="" xmlns:a16="http://schemas.microsoft.com/office/drawing/2014/main" id="{E0541E9E-3DFB-413C-BA69-2FB5AB750BE3}"/>
               </a:ext>
             </a:extLst>
           </p:cNvPr>
@@ -2815,7 +2815,7 @@
           <p:cNvPr id="3" name="Text Placeholder 2">
             <a:extLst>
               <a:ext uri="{FF2B5EF4-FFF2-40B4-BE49-F238E27FC236}">
-                <a16:creationId xmlns:a16="http://schemas.microsoft.com/office/drawing/2014/main" xmlns="" id="{22FEF240-FDB8-455F-99D3-77A512DB9FAC}"/>
+                <a16:creationId xmlns="" xmlns:a16="http://schemas.microsoft.com/office/drawing/2014/main" id="{22FEF240-FDB8-455F-99D3-77A512DB9FAC}"/>
               </a:ext>
             </a:extLst>
           </p:cNvPr>
@@ -2882,7 +2882,7 @@
           <p:cNvPr id="4" name="Date Placeholder 3">
             <a:extLst>
               <a:ext uri="{FF2B5EF4-FFF2-40B4-BE49-F238E27FC236}">
-                <a16:creationId xmlns:a16="http://schemas.microsoft.com/office/drawing/2014/main" xmlns="" id="{42A58085-75A9-4B8A-8E59-CB74E65901C2}"/>
+                <a16:creationId xmlns="" xmlns:a16="http://schemas.microsoft.com/office/drawing/2014/main" id="{42A58085-75A9-4B8A-8E59-CB74E65901C2}"/>
               </a:ext>
             </a:extLst>
           </p:cNvPr>
@@ -2918,7 +2918,7 @@
           <a:p>
             <a:fld id="{7FDF512C-6E10-497B-9786-E911B39FFF20}" type="datetimeFigureOut">
               <a:rPr lang="en-US" smtClean="0"/>
-              <a:t>6/15/2020</a:t>
+              <a:t>6/16/2020</a:t>
             </a:fld>
             <a:endParaRPr lang="en-US"/>
           </a:p>
@@ -2929,7 +2929,7 @@
           <p:cNvPr id="5" name="Footer Placeholder 4">
             <a:extLst>
               <a:ext uri="{FF2B5EF4-FFF2-40B4-BE49-F238E27FC236}">
-                <a16:creationId xmlns:a16="http://schemas.microsoft.com/office/drawing/2014/main" xmlns="" id="{9B1F7D80-F779-4388-835B-80CEF6253F22}"/>
+                <a16:creationId xmlns="" xmlns:a16="http://schemas.microsoft.com/office/drawing/2014/main" id="{9B1F7D80-F779-4388-835B-80CEF6253F22}"/>
               </a:ext>
             </a:extLst>
           </p:cNvPr>
@@ -2972,7 +2972,7 @@
           <p:cNvPr id="6" name="Slide Number Placeholder 5">
             <a:extLst>
               <a:ext uri="{FF2B5EF4-FFF2-40B4-BE49-F238E27FC236}">
-                <a16:creationId xmlns:a16="http://schemas.microsoft.com/office/drawing/2014/main" xmlns="" id="{BB750F98-F678-483D-AC41-1DAB5096F368}"/>
+                <a16:creationId xmlns="" xmlns:a16="http://schemas.microsoft.com/office/drawing/2014/main" id="{BB750F98-F678-483D-AC41-1DAB5096F368}"/>
               </a:ext>
             </a:extLst>
           </p:cNvPr>
@@ -3348,10 +3348,10 @@
           <p:cNvPr id="15" name="Straight Connector 9">
             <a:extLst>
               <a:ext uri="{FF2B5EF4-FFF2-40B4-BE49-F238E27FC236}">
-                <a16:creationId xmlns:a16="http://schemas.microsoft.com/office/drawing/2014/main" xmlns="" id="{D2E961F1-4A28-4A5F-BBD4-6E400E5E6C75}"/>
+                <a16:creationId xmlns="" xmlns:a16="http://schemas.microsoft.com/office/drawing/2014/main" id="{D2E961F1-4A28-4A5F-BBD4-6E400E5E6C75}"/>
               </a:ext>
               <a:ext uri="{C183D7F6-B498-43B3-948B-1728B52AA6E4}">
-                <adec:decorative xmlns:adec="http://schemas.microsoft.com/office/drawing/2017/decorative" xmlns="" val="1"/>
+                <adec:decorative xmlns="" xmlns:adec="http://schemas.microsoft.com/office/drawing/2017/decorative" val="1"/>
               </a:ext>
             </a:extLst>
           </p:cNvPr>
@@ -3361,7 +3361,7 @@
           <p:nvPr>
             <p:extLst>
               <p:ext uri="{386F3935-93C4-4BCD-93E2-E3B085C9AB24}">
-                <p16:designElem xmlns:p16="http://schemas.microsoft.com/office/powerpoint/2015/main" xmlns="" val="1"/>
+                <p16:designElem xmlns="" xmlns:p16="http://schemas.microsoft.com/office/powerpoint/2015/main" val="1"/>
               </p:ext>
             </p:extLst>
           </p:nvPr>
@@ -3403,10 +3403,10 @@
           <p:cNvPr id="17" name="Rectangle 11">
             <a:extLst>
               <a:ext uri="{FF2B5EF4-FFF2-40B4-BE49-F238E27FC236}">
-                <a16:creationId xmlns:a16="http://schemas.microsoft.com/office/drawing/2014/main" xmlns="" id="{7F57BEA8-497D-4AA8-8A18-BDCD696B25FE}"/>
+                <a16:creationId xmlns="" xmlns:a16="http://schemas.microsoft.com/office/drawing/2014/main" id="{7F57BEA8-497D-4AA8-8A18-BDCD696B25FE}"/>
               </a:ext>
               <a:ext uri="{C183D7F6-B498-43B3-948B-1728B52AA6E4}">
-                <adec:decorative xmlns:adec="http://schemas.microsoft.com/office/drawing/2017/decorative" xmlns="" val="1"/>
+                <adec:decorative xmlns="" xmlns:adec="http://schemas.microsoft.com/office/drawing/2017/decorative" val="1"/>
               </a:ext>
             </a:extLst>
           </p:cNvPr>
@@ -3416,7 +3416,7 @@
           <p:nvPr>
             <p:extLst>
               <p:ext uri="{386F3935-93C4-4BCD-93E2-E3B085C9AB24}">
-                <p16:designElem xmlns:p16="http://schemas.microsoft.com/office/powerpoint/2015/main" xmlns="" val="1"/>
+                <p16:designElem xmlns="" xmlns:p16="http://schemas.microsoft.com/office/powerpoint/2015/main" val="1"/>
               </p:ext>
             </p:extLst>
           </p:nvPr>
@@ -3469,7 +3469,7 @@
           <p:cNvPr id="2" name="Title 1">
             <a:extLst>
               <a:ext uri="{FF2B5EF4-FFF2-40B4-BE49-F238E27FC236}">
-                <a16:creationId xmlns:a16="http://schemas.microsoft.com/office/drawing/2014/main" xmlns="" id="{5950F6D9-C57D-4F17-87E0-5C64628604FE}"/>
+                <a16:creationId xmlns="" xmlns:a16="http://schemas.microsoft.com/office/drawing/2014/main" id="{5950F6D9-C57D-4F17-87E0-5C64628604FE}"/>
               </a:ext>
             </a:extLst>
           </p:cNvPr>
@@ -3525,10 +3525,10 @@
           <p:cNvPr id="14" name="Straight Connector 13">
             <a:extLst>
               <a:ext uri="{FF2B5EF4-FFF2-40B4-BE49-F238E27FC236}">
-                <a16:creationId xmlns:a16="http://schemas.microsoft.com/office/drawing/2014/main" xmlns="" id="{A82415D3-DDE5-4D63-8CB3-23A5EC581B27}"/>
+                <a16:creationId xmlns="" xmlns:a16="http://schemas.microsoft.com/office/drawing/2014/main" id="{A82415D3-DDE5-4D63-8CB3-23A5EC581B27}"/>
               </a:ext>
               <a:ext uri="{C183D7F6-B498-43B3-948B-1728B52AA6E4}">
-                <adec:decorative xmlns:adec="http://schemas.microsoft.com/office/drawing/2017/decorative" xmlns="" val="1"/>
+                <adec:decorative xmlns="" xmlns:adec="http://schemas.microsoft.com/office/drawing/2017/decorative" val="1"/>
               </a:ext>
             </a:extLst>
           </p:cNvPr>
@@ -3538,7 +3538,7 @@
           <p:nvPr>
             <p:extLst>
               <p:ext uri="{386F3935-93C4-4BCD-93E2-E3B085C9AB24}">
-                <p16:designElem xmlns:p16="http://schemas.microsoft.com/office/powerpoint/2015/main" xmlns="" val="1"/>
+                <p16:designElem xmlns="" xmlns:p16="http://schemas.microsoft.com/office/powerpoint/2015/main" val="1"/>
               </p:ext>
             </p:extLst>
           </p:nvPr>
@@ -3579,10 +3579,10 @@
           <p:cNvPr id="16" name="Straight Connector 15">
             <a:extLst>
               <a:ext uri="{FF2B5EF4-FFF2-40B4-BE49-F238E27FC236}">
-                <a16:creationId xmlns:a16="http://schemas.microsoft.com/office/drawing/2014/main" xmlns="" id="{AD7193FB-6AE6-4B3B-8F89-56B55DD63B4D}"/>
+                <a16:creationId xmlns="" xmlns:a16="http://schemas.microsoft.com/office/drawing/2014/main" id="{AD7193FB-6AE6-4B3B-8F89-56B55DD63B4D}"/>
               </a:ext>
               <a:ext uri="{C183D7F6-B498-43B3-948B-1728B52AA6E4}">
-                <adec:decorative xmlns:adec="http://schemas.microsoft.com/office/drawing/2017/decorative" xmlns="" val="1"/>
+                <adec:decorative xmlns="" xmlns:adec="http://schemas.microsoft.com/office/drawing/2017/decorative" val="1"/>
               </a:ext>
             </a:extLst>
           </p:cNvPr>
@@ -3592,7 +3592,7 @@
           <p:nvPr>
             <p:extLst>
               <p:ext uri="{386F3935-93C4-4BCD-93E2-E3B085C9AB24}">
-                <p16:designElem xmlns:p16="http://schemas.microsoft.com/office/powerpoint/2015/main" xmlns="" val="1"/>
+                <p16:designElem xmlns="" xmlns:p16="http://schemas.microsoft.com/office/powerpoint/2015/main" val="1"/>
               </p:ext>
             </p:extLst>
           </p:nvPr>
@@ -3860,7 +3860,7 @@
           <p:cNvPr id="2" name="Title 1">
             <a:extLst>
               <a:ext uri="{FF2B5EF4-FFF2-40B4-BE49-F238E27FC236}">
-                <a16:creationId xmlns:a16="http://schemas.microsoft.com/office/drawing/2014/main" xmlns="" id="{87254EE0-57F1-4E1A-9964-FA4A72DBA734}"/>
+                <a16:creationId xmlns="" xmlns:a16="http://schemas.microsoft.com/office/drawing/2014/main" id="{87254EE0-57F1-4E1A-9964-FA4A72DBA734}"/>
               </a:ext>
             </a:extLst>
           </p:cNvPr>
@@ -3893,7 +3893,7 @@
           <p:cNvPr id="3" name="Content Placeholder 2">
             <a:extLst>
               <a:ext uri="{FF2B5EF4-FFF2-40B4-BE49-F238E27FC236}">
-                <a16:creationId xmlns:a16="http://schemas.microsoft.com/office/drawing/2014/main" xmlns="" id="{0BB433BC-2409-46CD-9F50-C4AB5A59053F}"/>
+                <a16:creationId xmlns="" xmlns:a16="http://schemas.microsoft.com/office/drawing/2014/main" id="{0BB433BC-2409-46CD-9F50-C4AB5A59053F}"/>
               </a:ext>
             </a:extLst>
           </p:cNvPr>
@@ -4079,16 +4079,10 @@
           </a:p>
           <a:p>
             <a:r>
-              <a:rPr lang="en-US" dirty="0" smtClean="0"/>
+              <a:rPr lang="en-US" smtClean="0"/>
               <a:t>Buyer</a:t>
             </a:r>
-          </a:p>
-          <a:p>
-            <a:r>
-              <a:rPr lang="en-US" dirty="0" smtClean="0"/>
-              <a:t>System</a:t>
-            </a:r>
-            <a:endParaRPr lang="en-US" dirty="0"/>
+            <a:endParaRPr lang="en-US" dirty="0" smtClean="0"/>
           </a:p>
         </p:txBody>
       </p:sp>
@@ -4127,7 +4121,7 @@
           <p:cNvPr id="2" name="Title 1">
             <a:extLst>
               <a:ext uri="{FF2B5EF4-FFF2-40B4-BE49-F238E27FC236}">
-                <a16:creationId xmlns:a16="http://schemas.microsoft.com/office/drawing/2014/main" xmlns="" id="{A55EDF68-4433-4A9C-B701-A169BD2B2D15}"/>
+                <a16:creationId xmlns="" xmlns:a16="http://schemas.microsoft.com/office/drawing/2014/main" id="{A55EDF68-4433-4A9C-B701-A169BD2B2D15}"/>
               </a:ext>
             </a:extLst>
           </p:cNvPr>
@@ -4262,14 +4256,18 @@
           <a:lstStyle/>
           <a:p>
             <a:r>
+              <a:rPr lang="en-US" smtClean="0"/>
+              <a:t>Login </a:t>
+            </a:r>
+          </a:p>
+          <a:p>
+            <a:r>
+              <a:rPr lang="en-US" smtClean="0"/>
+              <a:t>Admin </a:t>
+            </a:r>
+            <a:r>
               <a:rPr lang="en-US" dirty="0" smtClean="0"/>
-              <a:t>Login </a:t>
-            </a:r>
-          </a:p>
-          <a:p>
-            <a:r>
-              <a:rPr lang="en-US" dirty="0" smtClean="0"/>
-              <a:t>Admin (CRUD)</a:t>
+              <a:t>(CRUD)</a:t>
             </a:r>
           </a:p>
           <a:p>
@@ -4642,6 +4640,30 @@
           </a:p>
         </p:txBody>
       </p:sp>
+      <p:pic>
+        <p:nvPicPr>
+          <p:cNvPr id="4" name="Picture 3"/>
+          <p:cNvPicPr>
+            <a:picLocks noChangeAspect="1"/>
+          </p:cNvPicPr>
+          <p:nvPr/>
+        </p:nvPicPr>
+        <p:blipFill>
+          <a:blip r:embed="rId2"/>
+          <a:stretch>
+            <a:fillRect/>
+          </a:stretch>
+        </p:blipFill>
+        <p:spPr>
+          <a:xfrm>
+            <a:off x="547687" y="228600"/>
+            <a:ext cx="11096625" cy="6400800"/>
+          </a:xfrm>
+          <a:prstGeom prst="rect">
+            <a:avLst/>
+          </a:prstGeom>
+        </p:spPr>
+      </p:pic>
     </p:spTree>
     <p:extLst>
       <p:ext uri="{BB962C8B-B14F-4D97-AF65-F5344CB8AC3E}">
@@ -4652,6 +4674,13 @@
   <p:clrMapOvr>
     <a:masterClrMapping/>
   </p:clrMapOvr>
+  <p:timing>
+    <p:tnLst>
+      <p:par>
+        <p:cTn id="1" dur="indefinite" restart="never" nodeType="tmRoot"/>
+      </p:par>
+    </p:tnLst>
+  </p:timing>
 </p:sld>
 </file>
 

--- a/docs/Presentation/eShopper Presentation.pptx
+++ b/docs/Presentation/eShopper Presentation.pptx
@@ -10,11 +10,17 @@
     <p:sldId id="268" r:id="rId4"/>
     <p:sldId id="258" r:id="rId5"/>
     <p:sldId id="269" r:id="rId6"/>
-    <p:sldId id="270" r:id="rId7"/>
-    <p:sldId id="271" r:id="rId8"/>
-    <p:sldId id="272" r:id="rId9"/>
-    <p:sldId id="267" r:id="rId10"/>
-    <p:sldId id="273" r:id="rId11"/>
+    <p:sldId id="277" r:id="rId7"/>
+    <p:sldId id="278" r:id="rId8"/>
+    <p:sldId id="279" r:id="rId9"/>
+    <p:sldId id="270" r:id="rId10"/>
+    <p:sldId id="271" r:id="rId11"/>
+    <p:sldId id="272" r:id="rId12"/>
+    <p:sldId id="275" r:id="rId13"/>
+    <p:sldId id="276" r:id="rId14"/>
+    <p:sldId id="274" r:id="rId15"/>
+    <p:sldId id="267" r:id="rId16"/>
+    <p:sldId id="273" r:id="rId17"/>
   </p:sldIdLst>
   <p:sldSz cx="12192000" cy="6858000"/>
   <p:notesSz cx="6858000" cy="9144000"/>
@@ -143,7 +149,7 @@
           <p:cNvPr id="2" name="Title 1">
             <a:extLst>
               <a:ext uri="{FF2B5EF4-FFF2-40B4-BE49-F238E27FC236}">
-                <a16:creationId xmlns="" xmlns:a16="http://schemas.microsoft.com/office/drawing/2014/main" id="{E2832087-C3AC-4A68-84F7-10E9A1CC8B59}"/>
+                <a16:creationId xmlns:a16="http://schemas.microsoft.com/office/drawing/2014/main" xmlns="" id="{E2832087-C3AC-4A68-84F7-10E9A1CC8B59}"/>
               </a:ext>
             </a:extLst>
           </p:cNvPr>
@@ -180,7 +186,7 @@
           <p:cNvPr id="3" name="Subtitle 2">
             <a:extLst>
               <a:ext uri="{FF2B5EF4-FFF2-40B4-BE49-F238E27FC236}">
-                <a16:creationId xmlns="" xmlns:a16="http://schemas.microsoft.com/office/drawing/2014/main" id="{8E472DF3-4184-4288-A8AF-6EE4184BA0A4}"/>
+                <a16:creationId xmlns:a16="http://schemas.microsoft.com/office/drawing/2014/main" xmlns="" id="{8E472DF3-4184-4288-A8AF-6EE4184BA0A4}"/>
               </a:ext>
             </a:extLst>
           </p:cNvPr>
@@ -250,7 +256,7 @@
           <p:cNvPr id="4" name="Date Placeholder 3">
             <a:extLst>
               <a:ext uri="{FF2B5EF4-FFF2-40B4-BE49-F238E27FC236}">
-                <a16:creationId xmlns="" xmlns:a16="http://schemas.microsoft.com/office/drawing/2014/main" id="{517355E8-495B-430D-A8D9-3CF0D18C3754}"/>
+                <a16:creationId xmlns:a16="http://schemas.microsoft.com/office/drawing/2014/main" xmlns="" id="{517355E8-495B-430D-A8D9-3CF0D18C3754}"/>
               </a:ext>
             </a:extLst>
           </p:cNvPr>
@@ -279,7 +285,7 @@
           <p:cNvPr id="5" name="Footer Placeholder 4">
             <a:extLst>
               <a:ext uri="{FF2B5EF4-FFF2-40B4-BE49-F238E27FC236}">
-                <a16:creationId xmlns="" xmlns:a16="http://schemas.microsoft.com/office/drawing/2014/main" id="{3806DA4B-2381-4BD8-A984-634A0378C699}"/>
+                <a16:creationId xmlns:a16="http://schemas.microsoft.com/office/drawing/2014/main" xmlns="" id="{3806DA4B-2381-4BD8-A984-634A0378C699}"/>
               </a:ext>
             </a:extLst>
           </p:cNvPr>
@@ -304,7 +310,7 @@
           <p:cNvPr id="6" name="Slide Number Placeholder 5">
             <a:extLst>
               <a:ext uri="{FF2B5EF4-FFF2-40B4-BE49-F238E27FC236}">
-                <a16:creationId xmlns="" xmlns:a16="http://schemas.microsoft.com/office/drawing/2014/main" id="{F87C954E-D903-4927-AD08-CBA0337EF15E}"/>
+                <a16:creationId xmlns:a16="http://schemas.microsoft.com/office/drawing/2014/main" xmlns="" id="{F87C954E-D903-4927-AD08-CBA0337EF15E}"/>
               </a:ext>
             </a:extLst>
           </p:cNvPr>
@@ -363,7 +369,7 @@
           <p:cNvPr id="2" name="Title 1">
             <a:extLst>
               <a:ext uri="{FF2B5EF4-FFF2-40B4-BE49-F238E27FC236}">
-                <a16:creationId xmlns="" xmlns:a16="http://schemas.microsoft.com/office/drawing/2014/main" id="{4FE961C0-CD84-411C-8E6D-6DEC0381F439}"/>
+                <a16:creationId xmlns:a16="http://schemas.microsoft.com/office/drawing/2014/main" xmlns="" id="{4FE961C0-CD84-411C-8E6D-6DEC0381F439}"/>
               </a:ext>
             </a:extLst>
           </p:cNvPr>
@@ -391,7 +397,7 @@
           <p:cNvPr id="3" name="Vertical Text Placeholder 2">
             <a:extLst>
               <a:ext uri="{FF2B5EF4-FFF2-40B4-BE49-F238E27FC236}">
-                <a16:creationId xmlns="" xmlns:a16="http://schemas.microsoft.com/office/drawing/2014/main" id="{D1318F48-5F2C-49A3-A94F-8E52522B1F86}"/>
+                <a16:creationId xmlns:a16="http://schemas.microsoft.com/office/drawing/2014/main" xmlns="" id="{D1318F48-5F2C-49A3-A94F-8E52522B1F86}"/>
               </a:ext>
             </a:extLst>
           </p:cNvPr>
@@ -448,7 +454,7 @@
           <p:cNvPr id="4" name="Date Placeholder 3">
             <a:extLst>
               <a:ext uri="{FF2B5EF4-FFF2-40B4-BE49-F238E27FC236}">
-                <a16:creationId xmlns="" xmlns:a16="http://schemas.microsoft.com/office/drawing/2014/main" id="{9CFDD58F-3CCB-430C-A004-E22C4EE2D464}"/>
+                <a16:creationId xmlns:a16="http://schemas.microsoft.com/office/drawing/2014/main" xmlns="" id="{9CFDD58F-3CCB-430C-A004-E22C4EE2D464}"/>
               </a:ext>
             </a:extLst>
           </p:cNvPr>
@@ -477,7 +483,7 @@
           <p:cNvPr id="5" name="Footer Placeholder 4">
             <a:extLst>
               <a:ext uri="{FF2B5EF4-FFF2-40B4-BE49-F238E27FC236}">
-                <a16:creationId xmlns="" xmlns:a16="http://schemas.microsoft.com/office/drawing/2014/main" id="{AD64AC9B-00F3-4FDD-BD94-7E1E52B4A400}"/>
+                <a16:creationId xmlns:a16="http://schemas.microsoft.com/office/drawing/2014/main" xmlns="" id="{AD64AC9B-00F3-4FDD-BD94-7E1E52B4A400}"/>
               </a:ext>
             </a:extLst>
           </p:cNvPr>
@@ -502,7 +508,7 @@
           <p:cNvPr id="6" name="Slide Number Placeholder 5">
             <a:extLst>
               <a:ext uri="{FF2B5EF4-FFF2-40B4-BE49-F238E27FC236}">
-                <a16:creationId xmlns="" xmlns:a16="http://schemas.microsoft.com/office/drawing/2014/main" id="{05CE3D43-9382-4F65-80A0-13016B357E48}"/>
+                <a16:creationId xmlns:a16="http://schemas.microsoft.com/office/drawing/2014/main" xmlns="" id="{05CE3D43-9382-4F65-80A0-13016B357E48}"/>
               </a:ext>
             </a:extLst>
           </p:cNvPr>
@@ -561,7 +567,7 @@
           <p:cNvPr id="2" name="Vertical Title 1">
             <a:extLst>
               <a:ext uri="{FF2B5EF4-FFF2-40B4-BE49-F238E27FC236}">
-                <a16:creationId xmlns="" xmlns:a16="http://schemas.microsoft.com/office/drawing/2014/main" id="{D3C898EA-2A00-430A-A2C8-E78551207543}"/>
+                <a16:creationId xmlns:a16="http://schemas.microsoft.com/office/drawing/2014/main" xmlns="" id="{D3C898EA-2A00-430A-A2C8-E78551207543}"/>
               </a:ext>
             </a:extLst>
           </p:cNvPr>
@@ -594,7 +600,7 @@
           <p:cNvPr id="3" name="Vertical Text Placeholder 2">
             <a:extLst>
               <a:ext uri="{FF2B5EF4-FFF2-40B4-BE49-F238E27FC236}">
-                <a16:creationId xmlns="" xmlns:a16="http://schemas.microsoft.com/office/drawing/2014/main" id="{32AF3448-DE00-4FA0-9224-B81DA4EBF5F8}"/>
+                <a16:creationId xmlns:a16="http://schemas.microsoft.com/office/drawing/2014/main" xmlns="" id="{32AF3448-DE00-4FA0-9224-B81DA4EBF5F8}"/>
               </a:ext>
             </a:extLst>
           </p:cNvPr>
@@ -656,7 +662,7 @@
           <p:cNvPr id="4" name="Date Placeholder 3">
             <a:extLst>
               <a:ext uri="{FF2B5EF4-FFF2-40B4-BE49-F238E27FC236}">
-                <a16:creationId xmlns="" xmlns:a16="http://schemas.microsoft.com/office/drawing/2014/main" id="{F3E0FEAC-D5B0-40EA-9365-CFCCDCF0EF2E}"/>
+                <a16:creationId xmlns:a16="http://schemas.microsoft.com/office/drawing/2014/main" xmlns="" id="{F3E0FEAC-D5B0-40EA-9365-CFCCDCF0EF2E}"/>
               </a:ext>
             </a:extLst>
           </p:cNvPr>
@@ -685,7 +691,7 @@
           <p:cNvPr id="5" name="Footer Placeholder 4">
             <a:extLst>
               <a:ext uri="{FF2B5EF4-FFF2-40B4-BE49-F238E27FC236}">
-                <a16:creationId xmlns="" xmlns:a16="http://schemas.microsoft.com/office/drawing/2014/main" id="{3FB81426-2ADB-4BCB-8C20-B9957D8A51CE}"/>
+                <a16:creationId xmlns:a16="http://schemas.microsoft.com/office/drawing/2014/main" xmlns="" id="{3FB81426-2ADB-4BCB-8C20-B9957D8A51CE}"/>
               </a:ext>
             </a:extLst>
           </p:cNvPr>
@@ -710,7 +716,7 @@
           <p:cNvPr id="6" name="Slide Number Placeholder 5">
             <a:extLst>
               <a:ext uri="{FF2B5EF4-FFF2-40B4-BE49-F238E27FC236}">
-                <a16:creationId xmlns="" xmlns:a16="http://schemas.microsoft.com/office/drawing/2014/main" id="{C8476EF8-6823-48D8-B6C5-9FFC451E16FF}"/>
+                <a16:creationId xmlns:a16="http://schemas.microsoft.com/office/drawing/2014/main" xmlns="" id="{C8476EF8-6823-48D8-B6C5-9FFC451E16FF}"/>
               </a:ext>
             </a:extLst>
           </p:cNvPr>
@@ -769,7 +775,7 @@
           <p:cNvPr id="2" name="Title 1">
             <a:extLst>
               <a:ext uri="{FF2B5EF4-FFF2-40B4-BE49-F238E27FC236}">
-                <a16:creationId xmlns="" xmlns:a16="http://schemas.microsoft.com/office/drawing/2014/main" id="{FB516B03-EEF8-4F3D-BF69-6B795CCC2C81}"/>
+                <a16:creationId xmlns:a16="http://schemas.microsoft.com/office/drawing/2014/main" xmlns="" id="{FB516B03-EEF8-4F3D-BF69-6B795CCC2C81}"/>
               </a:ext>
             </a:extLst>
           </p:cNvPr>
@@ -797,7 +803,7 @@
           <p:cNvPr id="3" name="Content Placeholder 2">
             <a:extLst>
               <a:ext uri="{FF2B5EF4-FFF2-40B4-BE49-F238E27FC236}">
-                <a16:creationId xmlns="" xmlns:a16="http://schemas.microsoft.com/office/drawing/2014/main" id="{CEACE985-2174-47A0-B65C-EC91BDB9B253}"/>
+                <a16:creationId xmlns:a16="http://schemas.microsoft.com/office/drawing/2014/main" xmlns="" id="{CEACE985-2174-47A0-B65C-EC91BDB9B253}"/>
               </a:ext>
             </a:extLst>
           </p:cNvPr>
@@ -854,7 +860,7 @@
           <p:cNvPr id="4" name="Date Placeholder 3">
             <a:extLst>
               <a:ext uri="{FF2B5EF4-FFF2-40B4-BE49-F238E27FC236}">
-                <a16:creationId xmlns="" xmlns:a16="http://schemas.microsoft.com/office/drawing/2014/main" id="{A3BA514D-9CB9-4161-B11B-D02782DBD543}"/>
+                <a16:creationId xmlns:a16="http://schemas.microsoft.com/office/drawing/2014/main" xmlns="" id="{A3BA514D-9CB9-4161-B11B-D02782DBD543}"/>
               </a:ext>
             </a:extLst>
           </p:cNvPr>
@@ -883,7 +889,7 @@
           <p:cNvPr id="5" name="Footer Placeholder 4">
             <a:extLst>
               <a:ext uri="{FF2B5EF4-FFF2-40B4-BE49-F238E27FC236}">
-                <a16:creationId xmlns="" xmlns:a16="http://schemas.microsoft.com/office/drawing/2014/main" id="{9248C514-4961-453B-81C8-62C9DDB7638C}"/>
+                <a16:creationId xmlns:a16="http://schemas.microsoft.com/office/drawing/2014/main" xmlns="" id="{9248C514-4961-453B-81C8-62C9DDB7638C}"/>
               </a:ext>
             </a:extLst>
           </p:cNvPr>
@@ -908,7 +914,7 @@
           <p:cNvPr id="6" name="Slide Number Placeholder 5">
             <a:extLst>
               <a:ext uri="{FF2B5EF4-FFF2-40B4-BE49-F238E27FC236}">
-                <a16:creationId xmlns="" xmlns:a16="http://schemas.microsoft.com/office/drawing/2014/main" id="{53404942-5921-452C-B910-EC951F1E562B}"/>
+                <a16:creationId xmlns:a16="http://schemas.microsoft.com/office/drawing/2014/main" xmlns="" id="{53404942-5921-452C-B910-EC951F1E562B}"/>
               </a:ext>
             </a:extLst>
           </p:cNvPr>
@@ -967,7 +973,7 @@
           <p:cNvPr id="2" name="Title 1">
             <a:extLst>
               <a:ext uri="{FF2B5EF4-FFF2-40B4-BE49-F238E27FC236}">
-                <a16:creationId xmlns="" xmlns:a16="http://schemas.microsoft.com/office/drawing/2014/main" id="{F3BFEF7B-9AE7-44AA-AC41-D242CF902424}"/>
+                <a16:creationId xmlns:a16="http://schemas.microsoft.com/office/drawing/2014/main" xmlns="" id="{F3BFEF7B-9AE7-44AA-AC41-D242CF902424}"/>
               </a:ext>
             </a:extLst>
           </p:cNvPr>
@@ -1004,7 +1010,7 @@
           <p:cNvPr id="3" name="Text Placeholder 2">
             <a:extLst>
               <a:ext uri="{FF2B5EF4-FFF2-40B4-BE49-F238E27FC236}">
-                <a16:creationId xmlns="" xmlns:a16="http://schemas.microsoft.com/office/drawing/2014/main" id="{391158B4-D8E6-4052-B4CB-2E08DDEFBC5E}"/>
+                <a16:creationId xmlns:a16="http://schemas.microsoft.com/office/drawing/2014/main" xmlns="" id="{391158B4-D8E6-4052-B4CB-2E08DDEFBC5E}"/>
               </a:ext>
             </a:extLst>
           </p:cNvPr>
@@ -1129,7 +1135,7 @@
           <p:cNvPr id="4" name="Date Placeholder 3">
             <a:extLst>
               <a:ext uri="{FF2B5EF4-FFF2-40B4-BE49-F238E27FC236}">
-                <a16:creationId xmlns="" xmlns:a16="http://schemas.microsoft.com/office/drawing/2014/main" id="{B20D08F4-9562-4B56-8BD6-5AA8E097A312}"/>
+                <a16:creationId xmlns:a16="http://schemas.microsoft.com/office/drawing/2014/main" xmlns="" id="{B20D08F4-9562-4B56-8BD6-5AA8E097A312}"/>
               </a:ext>
             </a:extLst>
           </p:cNvPr>
@@ -1158,7 +1164,7 @@
           <p:cNvPr id="5" name="Footer Placeholder 4">
             <a:extLst>
               <a:ext uri="{FF2B5EF4-FFF2-40B4-BE49-F238E27FC236}">
-                <a16:creationId xmlns="" xmlns:a16="http://schemas.microsoft.com/office/drawing/2014/main" id="{E530AC0A-B232-487C-A104-1182C18AE7A6}"/>
+                <a16:creationId xmlns:a16="http://schemas.microsoft.com/office/drawing/2014/main" xmlns="" id="{E530AC0A-B232-487C-A104-1182C18AE7A6}"/>
               </a:ext>
             </a:extLst>
           </p:cNvPr>
@@ -1183,7 +1189,7 @@
           <p:cNvPr id="6" name="Slide Number Placeholder 5">
             <a:extLst>
               <a:ext uri="{FF2B5EF4-FFF2-40B4-BE49-F238E27FC236}">
-                <a16:creationId xmlns="" xmlns:a16="http://schemas.microsoft.com/office/drawing/2014/main" id="{B1CB733E-551D-4A01-A28F-C795A57EB044}"/>
+                <a16:creationId xmlns:a16="http://schemas.microsoft.com/office/drawing/2014/main" xmlns="" id="{B1CB733E-551D-4A01-A28F-C795A57EB044}"/>
               </a:ext>
             </a:extLst>
           </p:cNvPr>
@@ -1242,7 +1248,7 @@
           <p:cNvPr id="2" name="Title 1">
             <a:extLst>
               <a:ext uri="{FF2B5EF4-FFF2-40B4-BE49-F238E27FC236}">
-                <a16:creationId xmlns="" xmlns:a16="http://schemas.microsoft.com/office/drawing/2014/main" id="{F5BBBA41-CAA5-4512-8BBC-B023569004C6}"/>
+                <a16:creationId xmlns:a16="http://schemas.microsoft.com/office/drawing/2014/main" xmlns="" id="{F5BBBA41-CAA5-4512-8BBC-B023569004C6}"/>
               </a:ext>
             </a:extLst>
           </p:cNvPr>
@@ -1270,7 +1276,7 @@
           <p:cNvPr id="3" name="Content Placeholder 2">
             <a:extLst>
               <a:ext uri="{FF2B5EF4-FFF2-40B4-BE49-F238E27FC236}">
-                <a16:creationId xmlns="" xmlns:a16="http://schemas.microsoft.com/office/drawing/2014/main" id="{BC7D143B-FB9E-47F8-BF0C-B4134CD58585}"/>
+                <a16:creationId xmlns:a16="http://schemas.microsoft.com/office/drawing/2014/main" xmlns="" id="{BC7D143B-FB9E-47F8-BF0C-B4134CD58585}"/>
               </a:ext>
             </a:extLst>
           </p:cNvPr>
@@ -1332,7 +1338,7 @@
           <p:cNvPr id="4" name="Content Placeholder 3">
             <a:extLst>
               <a:ext uri="{FF2B5EF4-FFF2-40B4-BE49-F238E27FC236}">
-                <a16:creationId xmlns="" xmlns:a16="http://schemas.microsoft.com/office/drawing/2014/main" id="{1DB76F1A-2749-43F2-8324-5A8D2E9E21B6}"/>
+                <a16:creationId xmlns:a16="http://schemas.microsoft.com/office/drawing/2014/main" xmlns="" id="{1DB76F1A-2749-43F2-8324-5A8D2E9E21B6}"/>
               </a:ext>
             </a:extLst>
           </p:cNvPr>
@@ -1394,7 +1400,7 @@
           <p:cNvPr id="5" name="Date Placeholder 4">
             <a:extLst>
               <a:ext uri="{FF2B5EF4-FFF2-40B4-BE49-F238E27FC236}">
-                <a16:creationId xmlns="" xmlns:a16="http://schemas.microsoft.com/office/drawing/2014/main" id="{2CCD8226-1FE3-43C8-ABAB-6544E82E67A6}"/>
+                <a16:creationId xmlns:a16="http://schemas.microsoft.com/office/drawing/2014/main" xmlns="" id="{2CCD8226-1FE3-43C8-ABAB-6544E82E67A6}"/>
               </a:ext>
             </a:extLst>
           </p:cNvPr>
@@ -1423,7 +1429,7 @@
           <p:cNvPr id="6" name="Footer Placeholder 5">
             <a:extLst>
               <a:ext uri="{FF2B5EF4-FFF2-40B4-BE49-F238E27FC236}">
-                <a16:creationId xmlns="" xmlns:a16="http://schemas.microsoft.com/office/drawing/2014/main" id="{7E13B5B2-1BF6-4A32-B1C6-223A63AAA349}"/>
+                <a16:creationId xmlns:a16="http://schemas.microsoft.com/office/drawing/2014/main" xmlns="" id="{7E13B5B2-1BF6-4A32-B1C6-223A63AAA349}"/>
               </a:ext>
             </a:extLst>
           </p:cNvPr>
@@ -1448,7 +1454,7 @@
           <p:cNvPr id="7" name="Slide Number Placeholder 6">
             <a:extLst>
               <a:ext uri="{FF2B5EF4-FFF2-40B4-BE49-F238E27FC236}">
-                <a16:creationId xmlns="" xmlns:a16="http://schemas.microsoft.com/office/drawing/2014/main" id="{A1511CF0-0DD1-4364-840F-854AC0B7EA59}"/>
+                <a16:creationId xmlns:a16="http://schemas.microsoft.com/office/drawing/2014/main" xmlns="" id="{A1511CF0-0DD1-4364-840F-854AC0B7EA59}"/>
               </a:ext>
             </a:extLst>
           </p:cNvPr>
@@ -1507,7 +1513,7 @@
           <p:cNvPr id="2" name="Title 1">
             <a:extLst>
               <a:ext uri="{FF2B5EF4-FFF2-40B4-BE49-F238E27FC236}">
-                <a16:creationId xmlns="" xmlns:a16="http://schemas.microsoft.com/office/drawing/2014/main" id="{6B33FE91-5806-4635-B9BA-5EE04A89BA82}"/>
+                <a16:creationId xmlns:a16="http://schemas.microsoft.com/office/drawing/2014/main" xmlns="" id="{6B33FE91-5806-4635-B9BA-5EE04A89BA82}"/>
               </a:ext>
             </a:extLst>
           </p:cNvPr>
@@ -1540,7 +1546,7 @@
           <p:cNvPr id="3" name="Text Placeholder 2">
             <a:extLst>
               <a:ext uri="{FF2B5EF4-FFF2-40B4-BE49-F238E27FC236}">
-                <a16:creationId xmlns="" xmlns:a16="http://schemas.microsoft.com/office/drawing/2014/main" id="{707FBB2B-D2AA-40A0-88F8-8A75AE591BEB}"/>
+                <a16:creationId xmlns:a16="http://schemas.microsoft.com/office/drawing/2014/main" xmlns="" id="{707FBB2B-D2AA-40A0-88F8-8A75AE591BEB}"/>
               </a:ext>
             </a:extLst>
           </p:cNvPr>
@@ -1611,7 +1617,7 @@
           <p:cNvPr id="4" name="Content Placeholder 3">
             <a:extLst>
               <a:ext uri="{FF2B5EF4-FFF2-40B4-BE49-F238E27FC236}">
-                <a16:creationId xmlns="" xmlns:a16="http://schemas.microsoft.com/office/drawing/2014/main" id="{4FD9F5BD-46B0-484D-AD9F-D4CDB5C2B7C1}"/>
+                <a16:creationId xmlns:a16="http://schemas.microsoft.com/office/drawing/2014/main" xmlns="" id="{4FD9F5BD-46B0-484D-AD9F-D4CDB5C2B7C1}"/>
               </a:ext>
             </a:extLst>
           </p:cNvPr>
@@ -1673,7 +1679,7 @@
           <p:cNvPr id="5" name="Text Placeholder 4">
             <a:extLst>
               <a:ext uri="{FF2B5EF4-FFF2-40B4-BE49-F238E27FC236}">
-                <a16:creationId xmlns="" xmlns:a16="http://schemas.microsoft.com/office/drawing/2014/main" id="{B2921FC0-090A-4418-9EDB-177D1133AC1A}"/>
+                <a16:creationId xmlns:a16="http://schemas.microsoft.com/office/drawing/2014/main" xmlns="" id="{B2921FC0-090A-4418-9EDB-177D1133AC1A}"/>
               </a:ext>
             </a:extLst>
           </p:cNvPr>
@@ -1744,7 +1750,7 @@
           <p:cNvPr id="6" name="Content Placeholder 5">
             <a:extLst>
               <a:ext uri="{FF2B5EF4-FFF2-40B4-BE49-F238E27FC236}">
-                <a16:creationId xmlns="" xmlns:a16="http://schemas.microsoft.com/office/drawing/2014/main" id="{47414333-DB11-4DC6-94A6-F2D644BF2B88}"/>
+                <a16:creationId xmlns:a16="http://schemas.microsoft.com/office/drawing/2014/main" xmlns="" id="{47414333-DB11-4DC6-94A6-F2D644BF2B88}"/>
               </a:ext>
             </a:extLst>
           </p:cNvPr>
@@ -1806,7 +1812,7 @@
           <p:cNvPr id="7" name="Date Placeholder 6">
             <a:extLst>
               <a:ext uri="{FF2B5EF4-FFF2-40B4-BE49-F238E27FC236}">
-                <a16:creationId xmlns="" xmlns:a16="http://schemas.microsoft.com/office/drawing/2014/main" id="{C373E719-BBDF-437E-83B5-EBC42DBAD8C3}"/>
+                <a16:creationId xmlns:a16="http://schemas.microsoft.com/office/drawing/2014/main" xmlns="" id="{C373E719-BBDF-437E-83B5-EBC42DBAD8C3}"/>
               </a:ext>
             </a:extLst>
           </p:cNvPr>
@@ -1835,7 +1841,7 @@
           <p:cNvPr id="8" name="Footer Placeholder 7">
             <a:extLst>
               <a:ext uri="{FF2B5EF4-FFF2-40B4-BE49-F238E27FC236}">
-                <a16:creationId xmlns="" xmlns:a16="http://schemas.microsoft.com/office/drawing/2014/main" id="{721E1F58-1B47-4C22-9A4F-05A81CB576B2}"/>
+                <a16:creationId xmlns:a16="http://schemas.microsoft.com/office/drawing/2014/main" xmlns="" id="{721E1F58-1B47-4C22-9A4F-05A81CB576B2}"/>
               </a:ext>
             </a:extLst>
           </p:cNvPr>
@@ -1860,7 +1866,7 @@
           <p:cNvPr id="9" name="Slide Number Placeholder 8">
             <a:extLst>
               <a:ext uri="{FF2B5EF4-FFF2-40B4-BE49-F238E27FC236}">
-                <a16:creationId xmlns="" xmlns:a16="http://schemas.microsoft.com/office/drawing/2014/main" id="{75B33139-534E-41AB-8A02-9C7D6FB10317}"/>
+                <a16:creationId xmlns:a16="http://schemas.microsoft.com/office/drawing/2014/main" xmlns="" id="{75B33139-534E-41AB-8A02-9C7D6FB10317}"/>
               </a:ext>
             </a:extLst>
           </p:cNvPr>
@@ -1919,7 +1925,7 @@
           <p:cNvPr id="2" name="Title 1">
             <a:extLst>
               <a:ext uri="{FF2B5EF4-FFF2-40B4-BE49-F238E27FC236}">
-                <a16:creationId xmlns="" xmlns:a16="http://schemas.microsoft.com/office/drawing/2014/main" id="{7CF01263-7F7B-4A94-B93C-45F41C696C7D}"/>
+                <a16:creationId xmlns:a16="http://schemas.microsoft.com/office/drawing/2014/main" xmlns="" id="{7CF01263-7F7B-4A94-B93C-45F41C696C7D}"/>
               </a:ext>
             </a:extLst>
           </p:cNvPr>
@@ -1947,7 +1953,7 @@
           <p:cNvPr id="3" name="Date Placeholder 2">
             <a:extLst>
               <a:ext uri="{FF2B5EF4-FFF2-40B4-BE49-F238E27FC236}">
-                <a16:creationId xmlns="" xmlns:a16="http://schemas.microsoft.com/office/drawing/2014/main" id="{5D965071-E8F6-4CE1-B882-3CE2AC210A5D}"/>
+                <a16:creationId xmlns:a16="http://schemas.microsoft.com/office/drawing/2014/main" xmlns="" id="{5D965071-E8F6-4CE1-B882-3CE2AC210A5D}"/>
               </a:ext>
             </a:extLst>
           </p:cNvPr>
@@ -1976,7 +1982,7 @@
           <p:cNvPr id="4" name="Footer Placeholder 3">
             <a:extLst>
               <a:ext uri="{FF2B5EF4-FFF2-40B4-BE49-F238E27FC236}">
-                <a16:creationId xmlns="" xmlns:a16="http://schemas.microsoft.com/office/drawing/2014/main" id="{B23B04C9-D92C-42DD-BFD7-EE5E241A4CD9}"/>
+                <a16:creationId xmlns:a16="http://schemas.microsoft.com/office/drawing/2014/main" xmlns="" id="{B23B04C9-D92C-42DD-BFD7-EE5E241A4CD9}"/>
               </a:ext>
             </a:extLst>
           </p:cNvPr>
@@ -2001,7 +2007,7 @@
           <p:cNvPr id="5" name="Slide Number Placeholder 4">
             <a:extLst>
               <a:ext uri="{FF2B5EF4-FFF2-40B4-BE49-F238E27FC236}">
-                <a16:creationId xmlns="" xmlns:a16="http://schemas.microsoft.com/office/drawing/2014/main" id="{BC5A030D-3FB4-4C6D-B927-53EED8FBA957}"/>
+                <a16:creationId xmlns:a16="http://schemas.microsoft.com/office/drawing/2014/main" xmlns="" id="{BC5A030D-3FB4-4C6D-B927-53EED8FBA957}"/>
               </a:ext>
             </a:extLst>
           </p:cNvPr>
@@ -2060,7 +2066,7 @@
           <p:cNvPr id="2" name="Date Placeholder 1">
             <a:extLst>
               <a:ext uri="{FF2B5EF4-FFF2-40B4-BE49-F238E27FC236}">
-                <a16:creationId xmlns="" xmlns:a16="http://schemas.microsoft.com/office/drawing/2014/main" id="{B20D42A9-B6DB-45CC-BE04-5ED7C5BC5077}"/>
+                <a16:creationId xmlns:a16="http://schemas.microsoft.com/office/drawing/2014/main" xmlns="" id="{B20D42A9-B6DB-45CC-BE04-5ED7C5BC5077}"/>
               </a:ext>
             </a:extLst>
           </p:cNvPr>
@@ -2089,7 +2095,7 @@
           <p:cNvPr id="3" name="Footer Placeholder 2">
             <a:extLst>
               <a:ext uri="{FF2B5EF4-FFF2-40B4-BE49-F238E27FC236}">
-                <a16:creationId xmlns="" xmlns:a16="http://schemas.microsoft.com/office/drawing/2014/main" id="{D0556BFB-FD79-4D21-9367-772229B45639}"/>
+                <a16:creationId xmlns:a16="http://schemas.microsoft.com/office/drawing/2014/main" xmlns="" id="{D0556BFB-FD79-4D21-9367-772229B45639}"/>
               </a:ext>
             </a:extLst>
           </p:cNvPr>
@@ -2114,7 +2120,7 @@
           <p:cNvPr id="4" name="Slide Number Placeholder 3">
             <a:extLst>
               <a:ext uri="{FF2B5EF4-FFF2-40B4-BE49-F238E27FC236}">
-                <a16:creationId xmlns="" xmlns:a16="http://schemas.microsoft.com/office/drawing/2014/main" id="{BAE86E56-8CB1-4515-BE64-B84D2DCAF8F6}"/>
+                <a16:creationId xmlns:a16="http://schemas.microsoft.com/office/drawing/2014/main" xmlns="" id="{BAE86E56-8CB1-4515-BE64-B84D2DCAF8F6}"/>
               </a:ext>
             </a:extLst>
           </p:cNvPr>
@@ -2173,7 +2179,7 @@
           <p:cNvPr id="2" name="Title 1">
             <a:extLst>
               <a:ext uri="{FF2B5EF4-FFF2-40B4-BE49-F238E27FC236}">
-                <a16:creationId xmlns="" xmlns:a16="http://schemas.microsoft.com/office/drawing/2014/main" id="{27425850-5A96-40CF-9773-65308D0E26D5}"/>
+                <a16:creationId xmlns:a16="http://schemas.microsoft.com/office/drawing/2014/main" xmlns="" id="{27425850-5A96-40CF-9773-65308D0E26D5}"/>
               </a:ext>
             </a:extLst>
           </p:cNvPr>
@@ -2210,7 +2216,7 @@
           <p:cNvPr id="3" name="Content Placeholder 2">
             <a:extLst>
               <a:ext uri="{FF2B5EF4-FFF2-40B4-BE49-F238E27FC236}">
-                <a16:creationId xmlns="" xmlns:a16="http://schemas.microsoft.com/office/drawing/2014/main" id="{ED08F5A6-4B6A-4D5C-95B2-E41BCF8613D6}"/>
+                <a16:creationId xmlns:a16="http://schemas.microsoft.com/office/drawing/2014/main" xmlns="" id="{ED08F5A6-4B6A-4D5C-95B2-E41BCF8613D6}"/>
               </a:ext>
             </a:extLst>
           </p:cNvPr>
@@ -2300,7 +2306,7 @@
           <p:cNvPr id="4" name="Text Placeholder 3">
             <a:extLst>
               <a:ext uri="{FF2B5EF4-FFF2-40B4-BE49-F238E27FC236}">
-                <a16:creationId xmlns="" xmlns:a16="http://schemas.microsoft.com/office/drawing/2014/main" id="{FE5CF890-85D6-4923-BA3D-DCBDA4E17BAD}"/>
+                <a16:creationId xmlns:a16="http://schemas.microsoft.com/office/drawing/2014/main" xmlns="" id="{FE5CF890-85D6-4923-BA3D-DCBDA4E17BAD}"/>
               </a:ext>
             </a:extLst>
           </p:cNvPr>
@@ -2371,7 +2377,7 @@
           <p:cNvPr id="5" name="Date Placeholder 4">
             <a:extLst>
               <a:ext uri="{FF2B5EF4-FFF2-40B4-BE49-F238E27FC236}">
-                <a16:creationId xmlns="" xmlns:a16="http://schemas.microsoft.com/office/drawing/2014/main" id="{F5FB6A99-88BB-48DB-A092-6952C24FC579}"/>
+                <a16:creationId xmlns:a16="http://schemas.microsoft.com/office/drawing/2014/main" xmlns="" id="{F5FB6A99-88BB-48DB-A092-6952C24FC579}"/>
               </a:ext>
             </a:extLst>
           </p:cNvPr>
@@ -2400,7 +2406,7 @@
           <p:cNvPr id="6" name="Footer Placeholder 5">
             <a:extLst>
               <a:ext uri="{FF2B5EF4-FFF2-40B4-BE49-F238E27FC236}">
-                <a16:creationId xmlns="" xmlns:a16="http://schemas.microsoft.com/office/drawing/2014/main" id="{152B0953-2FE9-48A2-A4F6-6D02851F8D9C}"/>
+                <a16:creationId xmlns:a16="http://schemas.microsoft.com/office/drawing/2014/main" xmlns="" id="{152B0953-2FE9-48A2-A4F6-6D02851F8D9C}"/>
               </a:ext>
             </a:extLst>
           </p:cNvPr>
@@ -2425,7 +2431,7 @@
           <p:cNvPr id="7" name="Slide Number Placeholder 6">
             <a:extLst>
               <a:ext uri="{FF2B5EF4-FFF2-40B4-BE49-F238E27FC236}">
-                <a16:creationId xmlns="" xmlns:a16="http://schemas.microsoft.com/office/drawing/2014/main" id="{38A45981-8CC6-4B85-B3A7-703FD776CDA0}"/>
+                <a16:creationId xmlns:a16="http://schemas.microsoft.com/office/drawing/2014/main" xmlns="" id="{38A45981-8CC6-4B85-B3A7-703FD776CDA0}"/>
               </a:ext>
             </a:extLst>
           </p:cNvPr>
@@ -2484,7 +2490,7 @@
           <p:cNvPr id="2" name="Title 1">
             <a:extLst>
               <a:ext uri="{FF2B5EF4-FFF2-40B4-BE49-F238E27FC236}">
-                <a16:creationId xmlns="" xmlns:a16="http://schemas.microsoft.com/office/drawing/2014/main" id="{62D85F73-A058-4A33-82E7-FCD16E13A03C}"/>
+                <a16:creationId xmlns:a16="http://schemas.microsoft.com/office/drawing/2014/main" xmlns="" id="{62D85F73-A058-4A33-82E7-FCD16E13A03C}"/>
               </a:ext>
             </a:extLst>
           </p:cNvPr>
@@ -2521,7 +2527,7 @@
           <p:cNvPr id="3" name="Picture Placeholder 2">
             <a:extLst>
               <a:ext uri="{FF2B5EF4-FFF2-40B4-BE49-F238E27FC236}">
-                <a16:creationId xmlns="" xmlns:a16="http://schemas.microsoft.com/office/drawing/2014/main" id="{DB14FBF9-B43C-4F31-AEC3-E248C3179117}"/>
+                <a16:creationId xmlns:a16="http://schemas.microsoft.com/office/drawing/2014/main" xmlns="" id="{DB14FBF9-B43C-4F31-AEC3-E248C3179117}"/>
               </a:ext>
             </a:extLst>
           </p:cNvPr>
@@ -2588,7 +2594,7 @@
           <p:cNvPr id="4" name="Text Placeholder 3">
             <a:extLst>
               <a:ext uri="{FF2B5EF4-FFF2-40B4-BE49-F238E27FC236}">
-                <a16:creationId xmlns="" xmlns:a16="http://schemas.microsoft.com/office/drawing/2014/main" id="{02697D08-12D1-4E60-9BB2-DBD824A1E8E0}"/>
+                <a16:creationId xmlns:a16="http://schemas.microsoft.com/office/drawing/2014/main" xmlns="" id="{02697D08-12D1-4E60-9BB2-DBD824A1E8E0}"/>
               </a:ext>
             </a:extLst>
           </p:cNvPr>
@@ -2659,7 +2665,7 @@
           <p:cNvPr id="5" name="Date Placeholder 4">
             <a:extLst>
               <a:ext uri="{FF2B5EF4-FFF2-40B4-BE49-F238E27FC236}">
-                <a16:creationId xmlns="" xmlns:a16="http://schemas.microsoft.com/office/drawing/2014/main" id="{4E78124C-F930-44A2-B5F7-5C3F1336F64E}"/>
+                <a16:creationId xmlns:a16="http://schemas.microsoft.com/office/drawing/2014/main" xmlns="" id="{4E78124C-F930-44A2-B5F7-5C3F1336F64E}"/>
               </a:ext>
             </a:extLst>
           </p:cNvPr>
@@ -2688,7 +2694,7 @@
           <p:cNvPr id="6" name="Footer Placeholder 5">
             <a:extLst>
               <a:ext uri="{FF2B5EF4-FFF2-40B4-BE49-F238E27FC236}">
-                <a16:creationId xmlns="" xmlns:a16="http://schemas.microsoft.com/office/drawing/2014/main" id="{E45DFCAF-2B76-44A6-88EA-F450AB661AF9}"/>
+                <a16:creationId xmlns:a16="http://schemas.microsoft.com/office/drawing/2014/main" xmlns="" id="{E45DFCAF-2B76-44A6-88EA-F450AB661AF9}"/>
               </a:ext>
             </a:extLst>
           </p:cNvPr>
@@ -2713,7 +2719,7 @@
           <p:cNvPr id="7" name="Slide Number Placeholder 6">
             <a:extLst>
               <a:ext uri="{FF2B5EF4-FFF2-40B4-BE49-F238E27FC236}">
-                <a16:creationId xmlns="" xmlns:a16="http://schemas.microsoft.com/office/drawing/2014/main" id="{C9C27CA6-A572-4FF3-A1E7-433FE6FF9340}"/>
+                <a16:creationId xmlns:a16="http://schemas.microsoft.com/office/drawing/2014/main" xmlns="" id="{C9C27CA6-A572-4FF3-A1E7-433FE6FF9340}"/>
               </a:ext>
             </a:extLst>
           </p:cNvPr>
@@ -2777,7 +2783,7 @@
           <p:cNvPr id="2" name="Title Placeholder 1">
             <a:extLst>
               <a:ext uri="{FF2B5EF4-FFF2-40B4-BE49-F238E27FC236}">
-                <a16:creationId xmlns="" xmlns:a16="http://schemas.microsoft.com/office/drawing/2014/main" id="{E0541E9E-3DFB-413C-BA69-2FB5AB750BE3}"/>
+                <a16:creationId xmlns:a16="http://schemas.microsoft.com/office/drawing/2014/main" xmlns="" id="{E0541E9E-3DFB-413C-BA69-2FB5AB750BE3}"/>
               </a:ext>
             </a:extLst>
           </p:cNvPr>
@@ -2815,7 +2821,7 @@
           <p:cNvPr id="3" name="Text Placeholder 2">
             <a:extLst>
               <a:ext uri="{FF2B5EF4-FFF2-40B4-BE49-F238E27FC236}">
-                <a16:creationId xmlns="" xmlns:a16="http://schemas.microsoft.com/office/drawing/2014/main" id="{22FEF240-FDB8-455F-99D3-77A512DB9FAC}"/>
+                <a16:creationId xmlns:a16="http://schemas.microsoft.com/office/drawing/2014/main" xmlns="" id="{22FEF240-FDB8-455F-99D3-77A512DB9FAC}"/>
               </a:ext>
             </a:extLst>
           </p:cNvPr>
@@ -2882,7 +2888,7 @@
           <p:cNvPr id="4" name="Date Placeholder 3">
             <a:extLst>
               <a:ext uri="{FF2B5EF4-FFF2-40B4-BE49-F238E27FC236}">
-                <a16:creationId xmlns="" xmlns:a16="http://schemas.microsoft.com/office/drawing/2014/main" id="{42A58085-75A9-4B8A-8E59-CB74E65901C2}"/>
+                <a16:creationId xmlns:a16="http://schemas.microsoft.com/office/drawing/2014/main" xmlns="" id="{42A58085-75A9-4B8A-8E59-CB74E65901C2}"/>
               </a:ext>
             </a:extLst>
           </p:cNvPr>
@@ -2929,7 +2935,7 @@
           <p:cNvPr id="5" name="Footer Placeholder 4">
             <a:extLst>
               <a:ext uri="{FF2B5EF4-FFF2-40B4-BE49-F238E27FC236}">
-                <a16:creationId xmlns="" xmlns:a16="http://schemas.microsoft.com/office/drawing/2014/main" id="{9B1F7D80-F779-4388-835B-80CEF6253F22}"/>
+                <a16:creationId xmlns:a16="http://schemas.microsoft.com/office/drawing/2014/main" xmlns="" id="{9B1F7D80-F779-4388-835B-80CEF6253F22}"/>
               </a:ext>
             </a:extLst>
           </p:cNvPr>
@@ -2972,7 +2978,7 @@
           <p:cNvPr id="6" name="Slide Number Placeholder 5">
             <a:extLst>
               <a:ext uri="{FF2B5EF4-FFF2-40B4-BE49-F238E27FC236}">
-                <a16:creationId xmlns="" xmlns:a16="http://schemas.microsoft.com/office/drawing/2014/main" id="{BB750F98-F678-483D-AC41-1DAB5096F368}"/>
+                <a16:creationId xmlns:a16="http://schemas.microsoft.com/office/drawing/2014/main" xmlns="" id="{BB750F98-F678-483D-AC41-1DAB5096F368}"/>
               </a:ext>
             </a:extLst>
           </p:cNvPr>
@@ -3348,10 +3354,10 @@
           <p:cNvPr id="15" name="Straight Connector 9">
             <a:extLst>
               <a:ext uri="{FF2B5EF4-FFF2-40B4-BE49-F238E27FC236}">
-                <a16:creationId xmlns="" xmlns:a16="http://schemas.microsoft.com/office/drawing/2014/main" id="{D2E961F1-4A28-4A5F-BBD4-6E400E5E6C75}"/>
+                <a16:creationId xmlns:a16="http://schemas.microsoft.com/office/drawing/2014/main" xmlns="" id="{D2E961F1-4A28-4A5F-BBD4-6E400E5E6C75}"/>
               </a:ext>
               <a:ext uri="{C183D7F6-B498-43B3-948B-1728B52AA6E4}">
-                <adec:decorative xmlns="" xmlns:adec="http://schemas.microsoft.com/office/drawing/2017/decorative" val="1"/>
+                <adec:decorative xmlns:adec="http://schemas.microsoft.com/office/drawing/2017/decorative" xmlns="" val="1"/>
               </a:ext>
             </a:extLst>
           </p:cNvPr>
@@ -3361,7 +3367,7 @@
           <p:nvPr>
             <p:extLst>
               <p:ext uri="{386F3935-93C4-4BCD-93E2-E3B085C9AB24}">
-                <p16:designElem xmlns="" xmlns:p16="http://schemas.microsoft.com/office/powerpoint/2015/main" val="1"/>
+                <p16:designElem xmlns:p16="http://schemas.microsoft.com/office/powerpoint/2015/main" xmlns="" val="1"/>
               </p:ext>
             </p:extLst>
           </p:nvPr>
@@ -3403,10 +3409,10 @@
           <p:cNvPr id="17" name="Rectangle 11">
             <a:extLst>
               <a:ext uri="{FF2B5EF4-FFF2-40B4-BE49-F238E27FC236}">
-                <a16:creationId xmlns="" xmlns:a16="http://schemas.microsoft.com/office/drawing/2014/main" id="{7F57BEA8-497D-4AA8-8A18-BDCD696B25FE}"/>
+                <a16:creationId xmlns:a16="http://schemas.microsoft.com/office/drawing/2014/main" xmlns="" id="{7F57BEA8-497D-4AA8-8A18-BDCD696B25FE}"/>
               </a:ext>
               <a:ext uri="{C183D7F6-B498-43B3-948B-1728B52AA6E4}">
-                <adec:decorative xmlns="" xmlns:adec="http://schemas.microsoft.com/office/drawing/2017/decorative" val="1"/>
+                <adec:decorative xmlns:adec="http://schemas.microsoft.com/office/drawing/2017/decorative" xmlns="" val="1"/>
               </a:ext>
             </a:extLst>
           </p:cNvPr>
@@ -3416,7 +3422,7 @@
           <p:nvPr>
             <p:extLst>
               <p:ext uri="{386F3935-93C4-4BCD-93E2-E3B085C9AB24}">
-                <p16:designElem xmlns="" xmlns:p16="http://schemas.microsoft.com/office/powerpoint/2015/main" val="1"/>
+                <p16:designElem xmlns:p16="http://schemas.microsoft.com/office/powerpoint/2015/main" xmlns="" val="1"/>
               </p:ext>
             </p:extLst>
           </p:nvPr>
@@ -3469,7 +3475,7 @@
           <p:cNvPr id="2" name="Title 1">
             <a:extLst>
               <a:ext uri="{FF2B5EF4-FFF2-40B4-BE49-F238E27FC236}">
-                <a16:creationId xmlns="" xmlns:a16="http://schemas.microsoft.com/office/drawing/2014/main" id="{5950F6D9-C57D-4F17-87E0-5C64628604FE}"/>
+                <a16:creationId xmlns:a16="http://schemas.microsoft.com/office/drawing/2014/main" xmlns="" id="{5950F6D9-C57D-4F17-87E0-5C64628604FE}"/>
               </a:ext>
             </a:extLst>
           </p:cNvPr>
@@ -3525,10 +3531,10 @@
           <p:cNvPr id="14" name="Straight Connector 13">
             <a:extLst>
               <a:ext uri="{FF2B5EF4-FFF2-40B4-BE49-F238E27FC236}">
-                <a16:creationId xmlns="" xmlns:a16="http://schemas.microsoft.com/office/drawing/2014/main" id="{A82415D3-DDE5-4D63-8CB3-23A5EC581B27}"/>
+                <a16:creationId xmlns:a16="http://schemas.microsoft.com/office/drawing/2014/main" xmlns="" id="{A82415D3-DDE5-4D63-8CB3-23A5EC581B27}"/>
               </a:ext>
               <a:ext uri="{C183D7F6-B498-43B3-948B-1728B52AA6E4}">
-                <adec:decorative xmlns="" xmlns:adec="http://schemas.microsoft.com/office/drawing/2017/decorative" val="1"/>
+                <adec:decorative xmlns:adec="http://schemas.microsoft.com/office/drawing/2017/decorative" xmlns="" val="1"/>
               </a:ext>
             </a:extLst>
           </p:cNvPr>
@@ -3538,7 +3544,7 @@
           <p:nvPr>
             <p:extLst>
               <p:ext uri="{386F3935-93C4-4BCD-93E2-E3B085C9AB24}">
-                <p16:designElem xmlns="" xmlns:p16="http://schemas.microsoft.com/office/powerpoint/2015/main" val="1"/>
+                <p16:designElem xmlns:p16="http://schemas.microsoft.com/office/powerpoint/2015/main" xmlns="" val="1"/>
               </p:ext>
             </p:extLst>
           </p:nvPr>
@@ -3579,10 +3585,10 @@
           <p:cNvPr id="16" name="Straight Connector 15">
             <a:extLst>
               <a:ext uri="{FF2B5EF4-FFF2-40B4-BE49-F238E27FC236}">
-                <a16:creationId xmlns="" xmlns:a16="http://schemas.microsoft.com/office/drawing/2014/main" id="{AD7193FB-6AE6-4B3B-8F89-56B55DD63B4D}"/>
+                <a16:creationId xmlns:a16="http://schemas.microsoft.com/office/drawing/2014/main" xmlns="" id="{AD7193FB-6AE6-4B3B-8F89-56B55DD63B4D}"/>
               </a:ext>
               <a:ext uri="{C183D7F6-B498-43B3-948B-1728B52AA6E4}">
-                <adec:decorative xmlns="" xmlns:adec="http://schemas.microsoft.com/office/drawing/2017/decorative" val="1"/>
+                <adec:decorative xmlns:adec="http://schemas.microsoft.com/office/drawing/2017/decorative" xmlns="" val="1"/>
               </a:ext>
             </a:extLst>
           </p:cNvPr>
@@ -3592,7 +3598,7 @@
           <p:nvPr>
             <p:extLst>
               <p:ext uri="{386F3935-93C4-4BCD-93E2-E3B085C9AB24}">
-                <p16:designElem xmlns="" xmlns:p16="http://schemas.microsoft.com/office/powerpoint/2015/main" val="1"/>
+                <p16:designElem xmlns:p16="http://schemas.microsoft.com/office/powerpoint/2015/main" xmlns="" val="1"/>
               </p:ext>
             </p:extLst>
           </p:nvPr>
@@ -3789,6 +3795,538 @@
             <p:ph type="title"/>
           </p:nvPr>
         </p:nvSpPr>
+        <p:spPr>
+          <a:xfrm>
+            <a:off x="838200" y="365126"/>
+            <a:ext cx="10515600" cy="773562"/>
+          </a:xfrm>
+        </p:spPr>
+        <p:txBody>
+          <a:bodyPr/>
+          <a:lstStyle/>
+          <a:p>
+            <a:r>
+              <a:rPr lang="en-US" dirty="0" smtClean="0"/>
+              <a:t>E-R Diagram</a:t>
+            </a:r>
+            <a:endParaRPr lang="en-US" dirty="0"/>
+          </a:p>
+        </p:txBody>
+      </p:sp>
+      <p:sp>
+        <p:nvSpPr>
+          <p:cNvPr id="3" name="Content Placeholder 2"/>
+          <p:cNvSpPr>
+            <a:spLocks noGrp="1"/>
+          </p:cNvSpPr>
+          <p:nvPr>
+            <p:ph idx="1"/>
+          </p:nvPr>
+        </p:nvSpPr>
+        <p:spPr>
+          <a:xfrm>
+            <a:off x="838200" y="1268083"/>
+            <a:ext cx="10515600" cy="4908880"/>
+          </a:xfrm>
+        </p:spPr>
+        <p:txBody>
+          <a:bodyPr/>
+          <a:lstStyle/>
+          <a:p>
+            <a:r>
+              <a:rPr lang="en-US" dirty="0" smtClean="0">
+                <a:hlinkClick r:id="rId2" action="ppaction://hlinkfile"/>
+              </a:rPr>
+              <a:t>Click to E-R</a:t>
+            </a:r>
+            <a:endParaRPr lang="en-US" dirty="0"/>
+          </a:p>
+        </p:txBody>
+      </p:sp>
+    </p:spTree>
+    <p:extLst>
+      <p:ext uri="{BB962C8B-B14F-4D97-AF65-F5344CB8AC3E}">
+        <p14:creationId xmlns:p14="http://schemas.microsoft.com/office/powerpoint/2010/main" val="443545930"/>
+      </p:ext>
+    </p:extLst>
+  </p:cSld>
+  <p:clrMapOvr>
+    <a:masterClrMapping/>
+  </p:clrMapOvr>
+  <p:timing>
+    <p:tnLst>
+      <p:par>
+        <p:cTn id="1" dur="indefinite" restart="never" nodeType="tmRoot"/>
+      </p:par>
+    </p:tnLst>
+  </p:timing>
+</p:sld>
+</file>
+
+<file path=ppt/slides/slide11.xml><?xml version="1.0" encoding="utf-8"?>
+<p:sld xmlns:a="http://schemas.openxmlformats.org/drawingml/2006/main" xmlns:r="http://schemas.openxmlformats.org/officeDocument/2006/relationships" xmlns:p="http://schemas.openxmlformats.org/presentationml/2006/main">
+  <p:cSld>
+    <p:spTree>
+      <p:nvGrpSpPr>
+        <p:cNvPr id="1" name=""/>
+        <p:cNvGrpSpPr/>
+        <p:nvPr/>
+      </p:nvGrpSpPr>
+      <p:grpSpPr>
+        <a:xfrm>
+          <a:off x="0" y="0"/>
+          <a:ext cx="0" cy="0"/>
+          <a:chOff x="0" y="0"/>
+          <a:chExt cx="0" cy="0"/>
+        </a:xfrm>
+      </p:grpSpPr>
+      <p:sp>
+        <p:nvSpPr>
+          <p:cNvPr id="2" name="Title 1"/>
+          <p:cNvSpPr>
+            <a:spLocks noGrp="1"/>
+          </p:cNvSpPr>
+          <p:nvPr>
+            <p:ph type="title"/>
+          </p:nvPr>
+        </p:nvSpPr>
+        <p:spPr>
+          <a:xfrm>
+            <a:off x="838200" y="365125"/>
+            <a:ext cx="10515600" cy="290483"/>
+          </a:xfrm>
+        </p:spPr>
+        <p:txBody>
+          <a:bodyPr>
+            <a:normAutofit fontScale="90000"/>
+          </a:bodyPr>
+          <a:lstStyle/>
+          <a:p>
+            <a:r>
+              <a:rPr lang="en-US" dirty="0" smtClean="0"/>
+              <a:t>Sequence Diagram</a:t>
+            </a:r>
+            <a:endParaRPr lang="en-US" dirty="0"/>
+          </a:p>
+        </p:txBody>
+      </p:sp>
+      <p:sp>
+        <p:nvSpPr>
+          <p:cNvPr id="3" name="Content Placeholder 2"/>
+          <p:cNvSpPr>
+            <a:spLocks noGrp="1"/>
+          </p:cNvSpPr>
+          <p:nvPr>
+            <p:ph idx="1"/>
+          </p:nvPr>
+        </p:nvSpPr>
+        <p:spPr>
+          <a:xfrm>
+            <a:off x="838200" y="1242204"/>
+            <a:ext cx="10515600" cy="4934759"/>
+          </a:xfrm>
+        </p:spPr>
+        <p:txBody>
+          <a:bodyPr/>
+          <a:lstStyle/>
+          <a:p>
+            <a:r>
+              <a:rPr lang="en-US" dirty="0" smtClean="0"/>
+              <a:t>Click to Sequence diagram</a:t>
+            </a:r>
+            <a:endParaRPr lang="en-US" dirty="0"/>
+          </a:p>
+        </p:txBody>
+      </p:sp>
+      <p:pic>
+        <p:nvPicPr>
+          <p:cNvPr id="4" name="Picture 3"/>
+          <p:cNvPicPr>
+            <a:picLocks noChangeAspect="1"/>
+          </p:cNvPicPr>
+          <p:nvPr/>
+        </p:nvPicPr>
+        <p:blipFill>
+          <a:blip r:embed="rId2"/>
+          <a:stretch>
+            <a:fillRect/>
+          </a:stretch>
+        </p:blipFill>
+        <p:spPr>
+          <a:xfrm>
+            <a:off x="547687" y="888520"/>
+            <a:ext cx="11096625" cy="5740879"/>
+          </a:xfrm>
+          <a:prstGeom prst="rect">
+            <a:avLst/>
+          </a:prstGeom>
+        </p:spPr>
+      </p:pic>
+    </p:spTree>
+    <p:extLst>
+      <p:ext uri="{BB962C8B-B14F-4D97-AF65-F5344CB8AC3E}">
+        <p14:creationId xmlns:p14="http://schemas.microsoft.com/office/powerpoint/2010/main" val="44806975"/>
+      </p:ext>
+    </p:extLst>
+  </p:cSld>
+  <p:clrMapOvr>
+    <a:masterClrMapping/>
+  </p:clrMapOvr>
+  <p:timing>
+    <p:tnLst>
+      <p:par>
+        <p:cTn id="1" dur="indefinite" restart="never" nodeType="tmRoot"/>
+      </p:par>
+    </p:tnLst>
+  </p:timing>
+</p:sld>
+</file>
+
+<file path=ppt/slides/slide12.xml><?xml version="1.0" encoding="utf-8"?>
+<p:sld xmlns:a="http://schemas.openxmlformats.org/drawingml/2006/main" xmlns:r="http://schemas.openxmlformats.org/officeDocument/2006/relationships" xmlns:p="http://schemas.openxmlformats.org/presentationml/2006/main">
+  <p:cSld>
+    <p:spTree>
+      <p:nvGrpSpPr>
+        <p:cNvPr id="1" name=""/>
+        <p:cNvGrpSpPr/>
+        <p:nvPr/>
+      </p:nvGrpSpPr>
+      <p:grpSpPr>
+        <a:xfrm>
+          <a:off x="0" y="0"/>
+          <a:ext cx="0" cy="0"/>
+          <a:chOff x="0" y="0"/>
+          <a:chExt cx="0" cy="0"/>
+        </a:xfrm>
+      </p:grpSpPr>
+      <p:pic>
+        <p:nvPicPr>
+          <p:cNvPr id="4" name="Picture 3"/>
+          <p:cNvPicPr>
+            <a:picLocks noChangeAspect="1"/>
+          </p:cNvPicPr>
+          <p:nvPr/>
+        </p:nvPicPr>
+        <p:blipFill>
+          <a:blip r:embed="rId2"/>
+          <a:stretch>
+            <a:fillRect/>
+          </a:stretch>
+        </p:blipFill>
+        <p:spPr>
+          <a:xfrm>
+            <a:off x="232500" y="741872"/>
+            <a:ext cx="11727000" cy="6116128"/>
+          </a:xfrm>
+          <a:prstGeom prst="rect">
+            <a:avLst/>
+          </a:prstGeom>
+        </p:spPr>
+      </p:pic>
+      <p:sp>
+        <p:nvSpPr>
+          <p:cNvPr id="5" name="Title 1"/>
+          <p:cNvSpPr>
+            <a:spLocks noGrp="1"/>
+          </p:cNvSpPr>
+          <p:nvPr>
+            <p:ph type="title"/>
+          </p:nvPr>
+        </p:nvSpPr>
+        <p:spPr>
+          <a:xfrm>
+            <a:off x="838200" y="235729"/>
+            <a:ext cx="10515600" cy="290483"/>
+          </a:xfrm>
+        </p:spPr>
+        <p:txBody>
+          <a:bodyPr>
+            <a:normAutofit fontScale="90000"/>
+          </a:bodyPr>
+          <a:lstStyle/>
+          <a:p>
+            <a:r>
+              <a:rPr lang="en-US" dirty="0" smtClean="0"/>
+              <a:t>Sequence Diagram</a:t>
+            </a:r>
+            <a:endParaRPr lang="en-US" dirty="0"/>
+          </a:p>
+        </p:txBody>
+      </p:sp>
+    </p:spTree>
+    <p:extLst>
+      <p:ext uri="{BB962C8B-B14F-4D97-AF65-F5344CB8AC3E}">
+        <p14:creationId xmlns:p14="http://schemas.microsoft.com/office/powerpoint/2010/main" val="1954197340"/>
+      </p:ext>
+    </p:extLst>
+  </p:cSld>
+  <p:clrMapOvr>
+    <a:masterClrMapping/>
+  </p:clrMapOvr>
+  <p:timing>
+    <p:tnLst>
+      <p:par>
+        <p:cTn id="1" dur="indefinite" restart="never" nodeType="tmRoot"/>
+      </p:par>
+    </p:tnLst>
+  </p:timing>
+</p:sld>
+</file>
+
+<file path=ppt/slides/slide13.xml><?xml version="1.0" encoding="utf-8"?>
+<p:sld xmlns:a="http://schemas.openxmlformats.org/drawingml/2006/main" xmlns:r="http://schemas.openxmlformats.org/officeDocument/2006/relationships" xmlns:p="http://schemas.openxmlformats.org/presentationml/2006/main">
+  <p:cSld>
+    <p:spTree>
+      <p:nvGrpSpPr>
+        <p:cNvPr id="1" name=""/>
+        <p:cNvGrpSpPr/>
+        <p:nvPr/>
+      </p:nvGrpSpPr>
+      <p:grpSpPr>
+        <a:xfrm>
+          <a:off x="0" y="0"/>
+          <a:ext cx="0" cy="0"/>
+          <a:chOff x="0" y="0"/>
+          <a:chExt cx="0" cy="0"/>
+        </a:xfrm>
+      </p:grpSpPr>
+      <p:pic>
+        <p:nvPicPr>
+          <p:cNvPr id="4" name="Picture 3"/>
+          <p:cNvPicPr>
+            <a:picLocks noChangeAspect="1"/>
+          </p:cNvPicPr>
+          <p:nvPr/>
+        </p:nvPicPr>
+        <p:blipFill>
+          <a:blip r:embed="rId2"/>
+          <a:stretch>
+            <a:fillRect/>
+          </a:stretch>
+        </p:blipFill>
+        <p:spPr>
+          <a:xfrm>
+            <a:off x="414337" y="802257"/>
+            <a:ext cx="11363325" cy="5755705"/>
+          </a:xfrm>
+          <a:prstGeom prst="rect">
+            <a:avLst/>
+          </a:prstGeom>
+        </p:spPr>
+      </p:pic>
+      <p:sp>
+        <p:nvSpPr>
+          <p:cNvPr id="5" name="Title 1"/>
+          <p:cNvSpPr>
+            <a:spLocks noGrp="1"/>
+          </p:cNvSpPr>
+          <p:nvPr>
+            <p:ph type="title"/>
+          </p:nvPr>
+        </p:nvSpPr>
+        <p:spPr>
+          <a:xfrm>
+            <a:off x="838199" y="192596"/>
+            <a:ext cx="10515600" cy="290483"/>
+          </a:xfrm>
+        </p:spPr>
+        <p:txBody>
+          <a:bodyPr>
+            <a:normAutofit fontScale="90000"/>
+          </a:bodyPr>
+          <a:lstStyle/>
+          <a:p>
+            <a:r>
+              <a:rPr lang="en-US" dirty="0" smtClean="0"/>
+              <a:t>Sequence Diagram</a:t>
+            </a:r>
+            <a:endParaRPr lang="en-US" dirty="0"/>
+          </a:p>
+        </p:txBody>
+      </p:sp>
+    </p:spTree>
+    <p:extLst>
+      <p:ext uri="{BB962C8B-B14F-4D97-AF65-F5344CB8AC3E}">
+        <p14:creationId xmlns:p14="http://schemas.microsoft.com/office/powerpoint/2010/main" val="45623316"/>
+      </p:ext>
+    </p:extLst>
+  </p:cSld>
+  <p:clrMapOvr>
+    <a:masterClrMapping/>
+  </p:clrMapOvr>
+  <p:timing>
+    <p:tnLst>
+      <p:par>
+        <p:cTn id="1" dur="indefinite" restart="never" nodeType="tmRoot"/>
+      </p:par>
+    </p:tnLst>
+  </p:timing>
+</p:sld>
+</file>
+
+<file path=ppt/slides/slide14.xml><?xml version="1.0" encoding="utf-8"?>
+<p:sld xmlns:a="http://schemas.openxmlformats.org/drawingml/2006/main" xmlns:r="http://schemas.openxmlformats.org/officeDocument/2006/relationships" xmlns:p="http://schemas.openxmlformats.org/presentationml/2006/main">
+  <p:cSld>
+    <p:spTree>
+      <p:nvGrpSpPr>
+        <p:cNvPr id="1" name=""/>
+        <p:cNvGrpSpPr/>
+        <p:nvPr/>
+      </p:nvGrpSpPr>
+      <p:grpSpPr>
+        <a:xfrm>
+          <a:off x="0" y="0"/>
+          <a:ext cx="0" cy="0"/>
+          <a:chOff x="0" y="0"/>
+          <a:chExt cx="0" cy="0"/>
+        </a:xfrm>
+      </p:grpSpPr>
+      <p:sp>
+        <p:nvSpPr>
+          <p:cNvPr id="2" name="Title 1"/>
+          <p:cNvSpPr>
+            <a:spLocks noGrp="1"/>
+          </p:cNvSpPr>
+          <p:nvPr>
+            <p:ph type="title"/>
+          </p:nvPr>
+        </p:nvSpPr>
+        <p:spPr>
+          <a:xfrm>
+            <a:off x="838200" y="365125"/>
+            <a:ext cx="10515600" cy="799441"/>
+          </a:xfrm>
+        </p:spPr>
+        <p:txBody>
+          <a:bodyPr/>
+          <a:lstStyle/>
+          <a:p>
+            <a:r>
+              <a:rPr lang="en-US" dirty="0" smtClean="0"/>
+              <a:t>Technologies</a:t>
+            </a:r>
+            <a:endParaRPr lang="en-US" dirty="0"/>
+          </a:p>
+        </p:txBody>
+      </p:sp>
+      <p:sp>
+        <p:nvSpPr>
+          <p:cNvPr id="3" name="Content Placeholder 2"/>
+          <p:cNvSpPr>
+            <a:spLocks noGrp="1"/>
+          </p:cNvSpPr>
+          <p:nvPr>
+            <p:ph idx="1"/>
+          </p:nvPr>
+        </p:nvSpPr>
+        <p:spPr>
+          <a:xfrm>
+            <a:off x="838200" y="1164566"/>
+            <a:ext cx="10515600" cy="5012397"/>
+          </a:xfrm>
+        </p:spPr>
+        <p:txBody>
+          <a:bodyPr/>
+          <a:lstStyle/>
+          <a:p>
+            <a:r>
+              <a:rPr lang="en-US" smtClean="0"/>
+              <a:t>Spring Boot </a:t>
+            </a:r>
+            <a:r>
+              <a:rPr lang="en-US" dirty="0" smtClean="0"/>
+              <a:t>2.3.0</a:t>
+            </a:r>
+          </a:p>
+          <a:p>
+            <a:r>
+              <a:rPr lang="en-US" dirty="0" smtClean="0"/>
+              <a:t>Spring Security</a:t>
+            </a:r>
+          </a:p>
+          <a:p>
+            <a:r>
+              <a:rPr lang="en-US" dirty="0" smtClean="0"/>
+              <a:t>Spring Data</a:t>
+            </a:r>
+          </a:p>
+          <a:p>
+            <a:r>
+              <a:rPr lang="en-US" dirty="0" err="1" smtClean="0"/>
+              <a:t>Thymeleaf</a:t>
+            </a:r>
+            <a:endParaRPr lang="en-US" dirty="0" smtClean="0"/>
+          </a:p>
+          <a:p>
+            <a:r>
+              <a:rPr lang="en-US" dirty="0" smtClean="0"/>
+              <a:t>JavaScript</a:t>
+            </a:r>
+          </a:p>
+          <a:p>
+            <a:r>
+              <a:rPr lang="en-US" dirty="0" smtClean="0"/>
+              <a:t>CSS</a:t>
+            </a:r>
+          </a:p>
+          <a:p>
+            <a:r>
+              <a:rPr lang="en-US" dirty="0" smtClean="0"/>
+              <a:t>H2 – database</a:t>
+            </a:r>
+          </a:p>
+          <a:p>
+            <a:endParaRPr lang="en-US" dirty="0"/>
+          </a:p>
+        </p:txBody>
+      </p:sp>
+    </p:spTree>
+    <p:extLst>
+      <p:ext uri="{BB962C8B-B14F-4D97-AF65-F5344CB8AC3E}">
+        <p14:creationId xmlns:p14="http://schemas.microsoft.com/office/powerpoint/2010/main" val="2675539556"/>
+      </p:ext>
+    </p:extLst>
+  </p:cSld>
+  <p:clrMapOvr>
+    <a:masterClrMapping/>
+  </p:clrMapOvr>
+  <p:timing>
+    <p:tnLst>
+      <p:par>
+        <p:cTn id="1" dur="indefinite" restart="never" nodeType="tmRoot"/>
+      </p:par>
+    </p:tnLst>
+  </p:timing>
+</p:sld>
+</file>
+
+<file path=ppt/slides/slide15.xml><?xml version="1.0" encoding="utf-8"?>
+<p:sld xmlns:a="http://schemas.openxmlformats.org/drawingml/2006/main" xmlns:r="http://schemas.openxmlformats.org/officeDocument/2006/relationships" xmlns:p="http://schemas.openxmlformats.org/presentationml/2006/main">
+  <p:cSld>
+    <p:spTree>
+      <p:nvGrpSpPr>
+        <p:cNvPr id="1" name=""/>
+        <p:cNvGrpSpPr/>
+        <p:nvPr/>
+      </p:nvGrpSpPr>
+      <p:grpSpPr>
+        <a:xfrm>
+          <a:off x="0" y="0"/>
+          <a:ext cx="0" cy="0"/>
+          <a:chOff x="0" y="0"/>
+          <a:chExt cx="0" cy="0"/>
+        </a:xfrm>
+      </p:grpSpPr>
+      <p:sp>
+        <p:nvSpPr>
+          <p:cNvPr id="2" name="Title 1"/>
+          <p:cNvSpPr>
+            <a:spLocks noGrp="1"/>
+          </p:cNvSpPr>
+          <p:nvPr>
+            <p:ph type="title"/>
+          </p:nvPr>
+        </p:nvSpPr>
         <p:spPr/>
         <p:txBody>
           <a:bodyPr/>
@@ -3796,6 +4334,132 @@
           <a:p>
             <a:r>
               <a:rPr lang="en-US" dirty="0" smtClean="0"/>
+              <a:t> </a:t>
+            </a:r>
+            <a:endParaRPr lang="en-US" dirty="0"/>
+          </a:p>
+        </p:txBody>
+      </p:sp>
+      <p:sp>
+        <p:nvSpPr>
+          <p:cNvPr id="3" name="Content Placeholder 2"/>
+          <p:cNvSpPr>
+            <a:spLocks noGrp="1"/>
+          </p:cNvSpPr>
+          <p:nvPr>
+            <p:ph idx="1"/>
+          </p:nvPr>
+        </p:nvSpPr>
+        <p:spPr>
+          <a:xfrm>
+            <a:off x="838200" y="940279"/>
+            <a:ext cx="10515600" cy="5236684"/>
+          </a:xfrm>
+        </p:spPr>
+        <p:txBody>
+          <a:bodyPr>
+            <a:normAutofit/>
+          </a:bodyPr>
+          <a:lstStyle/>
+          <a:p>
+            <a:pPr marL="0" indent="0" algn="ctr">
+              <a:buNone/>
+            </a:pPr>
+            <a:r>
+              <a:rPr lang="en-US" sz="4000" dirty="0" smtClean="0"/>
+              <a:t> </a:t>
+            </a:r>
+            <a:r>
+              <a:rPr lang="en-US" sz="4000" dirty="0"/>
+              <a:t>Thank you!</a:t>
+            </a:r>
+          </a:p>
+        </p:txBody>
+      </p:sp>
+      <p:pic>
+        <p:nvPicPr>
+          <p:cNvPr id="4" name="Picture 3"/>
+          <p:cNvPicPr>
+            <a:picLocks noChangeAspect="1"/>
+          </p:cNvPicPr>
+          <p:nvPr/>
+        </p:nvPicPr>
+        <p:blipFill>
+          <a:blip r:embed="rId2" cstate="print">
+            <a:extLst>
+              <a:ext uri="{28A0092B-C50C-407E-A947-70E740481C1C}">
+                <a14:useLocalDpi xmlns:a14="http://schemas.microsoft.com/office/drawing/2010/main" val="0"/>
+              </a:ext>
+            </a:extLst>
+          </a:blip>
+          <a:stretch>
+            <a:fillRect/>
+          </a:stretch>
+        </p:blipFill>
+        <p:spPr>
+          <a:xfrm>
+            <a:off x="2363638" y="1973868"/>
+            <a:ext cx="7594121" cy="4392426"/>
+          </a:xfrm>
+          <a:prstGeom prst="rect">
+            <a:avLst/>
+          </a:prstGeom>
+        </p:spPr>
+      </p:pic>
+    </p:spTree>
+    <p:extLst>
+      <p:ext uri="{BB962C8B-B14F-4D97-AF65-F5344CB8AC3E}">
+        <p14:creationId xmlns:p14="http://schemas.microsoft.com/office/powerpoint/2010/main" val="3174520936"/>
+      </p:ext>
+    </p:extLst>
+  </p:cSld>
+  <p:clrMapOvr>
+    <a:masterClrMapping/>
+  </p:clrMapOvr>
+  <p:timing>
+    <p:tnLst>
+      <p:par>
+        <p:cTn id="1" dur="indefinite" restart="never" nodeType="tmRoot"/>
+      </p:par>
+    </p:tnLst>
+  </p:timing>
+</p:sld>
+</file>
+
+<file path=ppt/slides/slide16.xml><?xml version="1.0" encoding="utf-8"?>
+<p:sld xmlns:a="http://schemas.openxmlformats.org/drawingml/2006/main" xmlns:r="http://schemas.openxmlformats.org/officeDocument/2006/relationships" xmlns:p="http://schemas.openxmlformats.org/presentationml/2006/main">
+  <p:cSld>
+    <p:spTree>
+      <p:nvGrpSpPr>
+        <p:cNvPr id="1" name=""/>
+        <p:cNvGrpSpPr/>
+        <p:nvPr/>
+      </p:nvGrpSpPr>
+      <p:grpSpPr>
+        <a:xfrm>
+          <a:off x="0" y="0"/>
+          <a:ext cx="0" cy="0"/>
+          <a:chOff x="0" y="0"/>
+          <a:chExt cx="0" cy="0"/>
+        </a:xfrm>
+      </p:grpSpPr>
+      <p:sp>
+        <p:nvSpPr>
+          <p:cNvPr id="2" name="Title 1"/>
+          <p:cNvSpPr>
+            <a:spLocks noGrp="1"/>
+          </p:cNvSpPr>
+          <p:nvPr>
+            <p:ph type="title"/>
+          </p:nvPr>
+        </p:nvSpPr>
+        <p:spPr/>
+        <p:txBody>
+          <a:bodyPr/>
+          <a:lstStyle/>
+          <a:p>
+            <a:r>
+              <a:rPr lang="en-US" dirty="0" smtClean="0"/>
               <a:t>Demo</a:t>
             </a:r>
             <a:endParaRPr lang="en-US" dirty="0"/>
@@ -3817,11 +4481,13 @@
           <a:bodyPr/>
           <a:lstStyle/>
           <a:p>
-            <a:r>
-              <a:rPr lang="en-US" dirty="0" smtClean="0"/>
-              <a:t>Click to demo </a:t>
-            </a:r>
-            <a:endParaRPr lang="en-US" dirty="0"/>
+            <a:pPr marL="0" indent="0">
+              <a:buNone/>
+            </a:pPr>
+            <a:r>
+              <a:rPr lang="en-US" dirty="0" smtClean="0"/>
+              <a:t>Demo will continue</a:t>
+            </a:r>
           </a:p>
         </p:txBody>
       </p:sp>
@@ -3835,6 +4501,13 @@
   <p:clrMapOvr>
     <a:masterClrMapping/>
   </p:clrMapOvr>
+  <p:timing>
+    <p:tnLst>
+      <p:par>
+        <p:cTn id="1" dur="indefinite" restart="never" nodeType="tmRoot"/>
+      </p:par>
+    </p:tnLst>
+  </p:timing>
 </p:sld>
 </file>
 
@@ -3860,7 +4533,7 @@
           <p:cNvPr id="2" name="Title 1">
             <a:extLst>
               <a:ext uri="{FF2B5EF4-FFF2-40B4-BE49-F238E27FC236}">
-                <a16:creationId xmlns="" xmlns:a16="http://schemas.microsoft.com/office/drawing/2014/main" id="{87254EE0-57F1-4E1A-9964-FA4A72DBA734}"/>
+                <a16:creationId xmlns:a16="http://schemas.microsoft.com/office/drawing/2014/main" xmlns="" id="{87254EE0-57F1-4E1A-9964-FA4A72DBA734}"/>
               </a:ext>
             </a:extLst>
           </p:cNvPr>
@@ -3893,7 +4566,7 @@
           <p:cNvPr id="3" name="Content Placeholder 2">
             <a:extLst>
               <a:ext uri="{FF2B5EF4-FFF2-40B4-BE49-F238E27FC236}">
-                <a16:creationId xmlns="" xmlns:a16="http://schemas.microsoft.com/office/drawing/2014/main" id="{0BB433BC-2409-46CD-9F50-C4AB5A59053F}"/>
+                <a16:creationId xmlns:a16="http://schemas.microsoft.com/office/drawing/2014/main" xmlns="" id="{0BB433BC-2409-46CD-9F50-C4AB5A59053F}"/>
               </a:ext>
             </a:extLst>
           </p:cNvPr>
@@ -4096,6 +4769,13 @@
   <p:clrMapOvr>
     <a:masterClrMapping/>
   </p:clrMapOvr>
+  <p:timing>
+    <p:tnLst>
+      <p:par>
+        <p:cTn id="1" dur="indefinite" restart="never" nodeType="tmRoot"/>
+      </p:par>
+    </p:tnLst>
+  </p:timing>
 </p:sld>
 </file>
 
@@ -4121,7 +4801,7 @@
           <p:cNvPr id="2" name="Title 1">
             <a:extLst>
               <a:ext uri="{FF2B5EF4-FFF2-40B4-BE49-F238E27FC236}">
-                <a16:creationId xmlns="" xmlns:a16="http://schemas.microsoft.com/office/drawing/2014/main" id="{A55EDF68-4433-4A9C-B701-A169BD2B2D15}"/>
+                <a16:creationId xmlns:a16="http://schemas.microsoft.com/office/drawing/2014/main" xmlns="" id="{A55EDF68-4433-4A9C-B701-A169BD2B2D15}"/>
               </a:ext>
             </a:extLst>
           </p:cNvPr>
@@ -4135,7 +4815,7 @@
         <p:spPr>
           <a:xfrm>
             <a:off x="363747" y="133642"/>
-            <a:ext cx="10515600" cy="197583"/>
+            <a:ext cx="1387415" cy="720373"/>
           </a:xfrm>
         </p:spPr>
         <p:txBody>
@@ -4167,8 +4847,8 @@
         </p:blipFill>
         <p:spPr>
           <a:xfrm>
-            <a:off x="3052049" y="133642"/>
-            <a:ext cx="8222676" cy="6858000"/>
+            <a:off x="1673525" y="133642"/>
+            <a:ext cx="9601200" cy="6858000"/>
           </a:xfrm>
           <a:prstGeom prst="rect">
             <a:avLst/>
@@ -4185,6 +4865,13 @@
   <p:clrMapOvr>
     <a:masterClrMapping/>
   </p:clrMapOvr>
+  <p:timing>
+    <p:tnLst>
+      <p:par>
+        <p:cTn id="1" dur="indefinite" restart="never" nodeType="tmRoot"/>
+      </p:par>
+    </p:tnLst>
+  </p:timing>
 </p:sld>
 </file>
 
@@ -4256,18 +4943,14 @@
           <a:lstStyle/>
           <a:p>
             <a:r>
-              <a:rPr lang="en-US" smtClean="0"/>
+              <a:rPr lang="en-US" dirty="0" smtClean="0"/>
               <a:t>Login </a:t>
             </a:r>
           </a:p>
           <a:p>
             <a:r>
-              <a:rPr lang="en-US" smtClean="0"/>
-              <a:t>Admin </a:t>
-            </a:r>
-            <a:r>
-              <a:rPr lang="en-US" dirty="0" smtClean="0"/>
-              <a:t>(CRUD)</a:t>
+              <a:rPr lang="en-US" dirty="0" smtClean="0"/>
+              <a:t>Admin (CRUD)</a:t>
             </a:r>
           </a:p>
           <a:p>
@@ -4338,8 +5021,8 @@
               <a:t>Generating </a:t>
             </a:r>
             <a:r>
-              <a:rPr lang="en-US" dirty="0" err="1" smtClean="0"/>
-              <a:t>Reciept</a:t>
+              <a:rPr lang="en-US" dirty="0" smtClean="0"/>
+              <a:t>Receipt</a:t>
             </a:r>
             <a:endParaRPr lang="en-US" dirty="0" smtClean="0"/>
           </a:p>
@@ -4406,8 +5089,8 @@
         </p:nvSpPr>
         <p:spPr>
           <a:xfrm>
-            <a:off x="838200" y="365126"/>
-            <a:ext cx="10515600" cy="704550"/>
+            <a:off x="838200" y="365125"/>
+            <a:ext cx="10515600" cy="764935"/>
           </a:xfrm>
         </p:spPr>
         <p:txBody>
@@ -4416,7 +5099,7 @@
           <a:p>
             <a:r>
               <a:rPr lang="en-US" dirty="0" smtClean="0"/>
-              <a:t>Class Diagram</a:t>
+              <a:t>Admin Activities</a:t>
             </a:r>
             <a:endParaRPr lang="en-US" dirty="0"/>
           </a:p>
@@ -4443,11 +5126,23 @@
           <a:lstStyle/>
           <a:p>
             <a:r>
-              <a:rPr lang="en-US" dirty="0" smtClean="0">
-                <a:hlinkClick r:id="rId2" action="ppaction://hlinkfile"/>
-              </a:rPr>
-              <a:t>Click here</a:t>
-            </a:r>
+              <a:rPr lang="en-US" dirty="0" smtClean="0"/>
+              <a:t>Create admin account</a:t>
+            </a:r>
+          </a:p>
+          <a:p>
+            <a:r>
+              <a:rPr lang="en-US" dirty="0" smtClean="0"/>
+              <a:t>Create product categories</a:t>
+            </a:r>
+          </a:p>
+          <a:p>
+            <a:r>
+              <a:rPr lang="en-US" dirty="0" smtClean="0"/>
+              <a:t>Approve seller account</a:t>
+            </a:r>
+          </a:p>
+          <a:p>
             <a:endParaRPr lang="en-US" dirty="0"/>
           </a:p>
         </p:txBody>
@@ -4455,20 +5150,13 @@
     </p:spTree>
     <p:extLst>
       <p:ext uri="{BB962C8B-B14F-4D97-AF65-F5344CB8AC3E}">
-        <p14:creationId xmlns:p14="http://schemas.microsoft.com/office/powerpoint/2010/main" val="1679095750"/>
+        <p14:creationId xmlns:p14="http://schemas.microsoft.com/office/powerpoint/2010/main" val="3403028184"/>
       </p:ext>
     </p:extLst>
   </p:cSld>
   <p:clrMapOvr>
     <a:masterClrMapping/>
   </p:clrMapOvr>
-  <p:timing>
-    <p:tnLst>
-      <p:par>
-        <p:cTn id="1" dur="indefinite" restart="never" nodeType="tmRoot"/>
-      </p:par>
-    </p:tnLst>
-  </p:timing>
 </p:sld>
 </file>
 
@@ -4501,8 +5189,8 @@
         </p:nvSpPr>
         <p:spPr>
           <a:xfrm>
-            <a:off x="838200" y="365126"/>
-            <a:ext cx="10515600" cy="773562"/>
+            <a:off x="838200" y="365125"/>
+            <a:ext cx="10515600" cy="928837"/>
           </a:xfrm>
         </p:spPr>
         <p:txBody>
@@ -4511,7 +5199,7 @@
           <a:p>
             <a:r>
               <a:rPr lang="en-US" dirty="0" smtClean="0"/>
-              <a:t>E-R Diagram</a:t>
+              <a:t>Seller Activities</a:t>
             </a:r>
             <a:endParaRPr lang="en-US" dirty="0"/>
           </a:p>
@@ -4529,8 +5217,8 @@
         </p:nvSpPr>
         <p:spPr>
           <a:xfrm>
-            <a:off x="838200" y="1268083"/>
-            <a:ext cx="10515600" cy="4908880"/>
+            <a:off x="838200" y="1293962"/>
+            <a:ext cx="10515600" cy="4883001"/>
           </a:xfrm>
         </p:spPr>
         <p:txBody>
@@ -4538,32 +5226,34 @@
           <a:lstStyle/>
           <a:p>
             <a:r>
-              <a:rPr lang="en-US" dirty="0" smtClean="0">
-                <a:hlinkClick r:id="rId2" action="ppaction://hlinkfile"/>
-              </a:rPr>
-              <a:t>Click to E-R</a:t>
-            </a:r>
-            <a:endParaRPr lang="en-US" dirty="0"/>
+              <a:rPr lang="en-US" dirty="0" smtClean="0"/>
+              <a:t>Create product/ post product</a:t>
+            </a:r>
+          </a:p>
+          <a:p>
+            <a:r>
+              <a:rPr lang="en-US" dirty="0" smtClean="0"/>
+              <a:t>Follow-up his/her ordered product</a:t>
+            </a:r>
+          </a:p>
+          <a:p>
+            <a:r>
+              <a:rPr lang="en-US" dirty="0" smtClean="0"/>
+              <a:t>Manage ordered products</a:t>
+            </a:r>
           </a:p>
         </p:txBody>
       </p:sp>
     </p:spTree>
     <p:extLst>
       <p:ext uri="{BB962C8B-B14F-4D97-AF65-F5344CB8AC3E}">
-        <p14:creationId xmlns:p14="http://schemas.microsoft.com/office/powerpoint/2010/main" val="443545930"/>
+        <p14:creationId xmlns:p14="http://schemas.microsoft.com/office/powerpoint/2010/main" val="2359799092"/>
       </p:ext>
     </p:extLst>
   </p:cSld>
   <p:clrMapOvr>
     <a:masterClrMapping/>
   </p:clrMapOvr>
-  <p:timing>
-    <p:tnLst>
-      <p:par>
-        <p:cTn id="1" dur="indefinite" restart="never" nodeType="tmRoot"/>
-      </p:par>
-    </p:tnLst>
-  </p:timing>
 </p:sld>
 </file>
 
@@ -4596,8 +5286,8 @@
         </p:nvSpPr>
         <p:spPr>
           <a:xfrm>
-            <a:off x="838200" y="365125"/>
-            <a:ext cx="10515600" cy="764935"/>
+            <a:off x="838200" y="365126"/>
+            <a:ext cx="10515600" cy="911584"/>
           </a:xfrm>
         </p:spPr>
         <p:txBody>
@@ -4606,7 +5296,7 @@
           <a:p>
             <a:r>
               <a:rPr lang="en-US" dirty="0" smtClean="0"/>
-              <a:t>Sequence Diagram</a:t>
+              <a:t>Buyer Activities</a:t>
             </a:r>
             <a:endParaRPr lang="en-US" dirty="0"/>
           </a:p>
@@ -4624,8 +5314,8 @@
         </p:nvSpPr>
         <p:spPr>
           <a:xfrm>
-            <a:off x="838200" y="1242204"/>
-            <a:ext cx="10515600" cy="4934759"/>
+            <a:off x="838200" y="1371600"/>
+            <a:ext cx="10515600" cy="4805363"/>
           </a:xfrm>
         </p:spPr>
         <p:txBody>
@@ -4634,53 +5324,59 @@
           <a:p>
             <a:r>
               <a:rPr lang="en-US" dirty="0" smtClean="0"/>
-              <a:t>Click to Sequence diagram</a:t>
+              <a:t>Search products</a:t>
+            </a:r>
+          </a:p>
+          <a:p>
+            <a:r>
+              <a:rPr lang="en-US" dirty="0" smtClean="0"/>
+              <a:t>Prepare shopping cart</a:t>
+            </a:r>
+          </a:p>
+          <a:p>
+            <a:r>
+              <a:rPr lang="en-US" dirty="0" smtClean="0"/>
+              <a:t>Collect items to cart</a:t>
+            </a:r>
+          </a:p>
+          <a:p>
+            <a:r>
+              <a:rPr lang="en-US" dirty="0" smtClean="0"/>
+              <a:t>Checkout</a:t>
+            </a:r>
+          </a:p>
+          <a:p>
+            <a:r>
+              <a:rPr lang="en-US" dirty="0" smtClean="0"/>
+              <a:t>Make payment</a:t>
+            </a:r>
+          </a:p>
+          <a:p>
+            <a:r>
+              <a:rPr lang="en-US" dirty="0" smtClean="0"/>
+              <a:t>Generate receipt</a:t>
             </a:r>
             <a:endParaRPr lang="en-US" dirty="0"/>
           </a:p>
-        </p:txBody>
-      </p:sp>
-      <p:pic>
-        <p:nvPicPr>
-          <p:cNvPr id="4" name="Picture 3"/>
-          <p:cNvPicPr>
-            <a:picLocks noChangeAspect="1"/>
-          </p:cNvPicPr>
-          <p:nvPr/>
-        </p:nvPicPr>
-        <p:blipFill>
-          <a:blip r:embed="rId2"/>
-          <a:stretch>
-            <a:fillRect/>
-          </a:stretch>
-        </p:blipFill>
-        <p:spPr>
-          <a:xfrm>
-            <a:off x="547687" y="228600"/>
-            <a:ext cx="11096625" cy="6400800"/>
-          </a:xfrm>
-          <a:prstGeom prst="rect">
-            <a:avLst/>
-          </a:prstGeom>
-        </p:spPr>
-      </p:pic>
+          <a:p>
+            <a:r>
+              <a:rPr lang="en-US" dirty="0" smtClean="0"/>
+              <a:t>Follow-up ordered item</a:t>
+            </a:r>
+            <a:endParaRPr lang="en-US" dirty="0"/>
+          </a:p>
+        </p:txBody>
+      </p:sp>
     </p:spTree>
     <p:extLst>
       <p:ext uri="{BB962C8B-B14F-4D97-AF65-F5344CB8AC3E}">
-        <p14:creationId xmlns:p14="http://schemas.microsoft.com/office/powerpoint/2010/main" val="44806975"/>
+        <p14:creationId xmlns:p14="http://schemas.microsoft.com/office/powerpoint/2010/main" val="1788212500"/>
       </p:ext>
     </p:extLst>
   </p:cSld>
   <p:clrMapOvr>
     <a:masterClrMapping/>
   </p:clrMapOvr>
-  <p:timing>
-    <p:tnLst>
-      <p:par>
-        <p:cTn id="1" dur="indefinite" restart="never" nodeType="tmRoot"/>
-      </p:par>
-    </p:tnLst>
-  </p:timing>
 </p:sld>
 </file>
 
@@ -4711,95 +5407,71 @@
             <p:ph type="title"/>
           </p:nvPr>
         </p:nvSpPr>
-        <p:spPr/>
-        <p:txBody>
-          <a:bodyPr/>
-          <a:lstStyle/>
-          <a:p>
-            <a:r>
-              <a:rPr lang="en-US" dirty="0" smtClean="0"/>
-              <a:t> </a:t>
-            </a:r>
-            <a:endParaRPr lang="en-US" dirty="0"/>
-          </a:p>
-        </p:txBody>
-      </p:sp>
-      <p:sp>
-        <p:nvSpPr>
-          <p:cNvPr id="3" name="Content Placeholder 2"/>
-          <p:cNvSpPr>
-            <a:spLocks noGrp="1"/>
-          </p:cNvSpPr>
-          <p:nvPr>
-            <p:ph idx="1"/>
-          </p:nvPr>
-        </p:nvSpPr>
         <p:spPr>
           <a:xfrm>
-            <a:off x="838200" y="940279"/>
-            <a:ext cx="10515600" cy="5236684"/>
+            <a:off x="838200" y="365126"/>
+            <a:ext cx="10515600" cy="704550"/>
           </a:xfrm>
         </p:spPr>
         <p:txBody>
-          <a:bodyPr>
-            <a:normAutofit/>
-          </a:bodyPr>
-          <a:lstStyle/>
-          <a:p>
-            <a:pPr marL="0" indent="0" algn="ctr">
-              <a:buNone/>
-            </a:pPr>
-            <a:r>
-              <a:rPr lang="en-US" sz="4000" dirty="0" smtClean="0"/>
-              <a:t> </a:t>
-            </a:r>
-            <a:r>
-              <a:rPr lang="en-US" sz="4000" dirty="0"/>
-              <a:t>Thank you!</a:t>
-            </a:r>
-          </a:p>
-        </p:txBody>
-      </p:sp>
-      <p:pic>
-        <p:nvPicPr>
-          <p:cNvPr id="4" name="Picture 3"/>
-          <p:cNvPicPr>
-            <a:picLocks noChangeAspect="1"/>
-          </p:cNvPicPr>
-          <p:nvPr/>
-        </p:nvPicPr>
-        <p:blipFill>
-          <a:blip r:embed="rId2" cstate="print">
-            <a:extLst>
-              <a:ext uri="{28A0092B-C50C-407E-A947-70E740481C1C}">
-                <a14:useLocalDpi xmlns:a14="http://schemas.microsoft.com/office/drawing/2010/main" val="0"/>
-              </a:ext>
-            </a:extLst>
-          </a:blip>
-          <a:stretch>
-            <a:fillRect/>
-          </a:stretch>
-        </p:blipFill>
+          <a:bodyPr/>
+          <a:lstStyle/>
+          <a:p>
+            <a:r>
+              <a:rPr lang="en-US" dirty="0" smtClean="0"/>
+              <a:t>Class Diagram</a:t>
+            </a:r>
+            <a:endParaRPr lang="en-US" dirty="0"/>
+          </a:p>
+        </p:txBody>
+      </p:sp>
+      <p:sp>
+        <p:nvSpPr>
+          <p:cNvPr id="3" name="Content Placeholder 2"/>
+          <p:cNvSpPr>
+            <a:spLocks noGrp="1"/>
+          </p:cNvSpPr>
+          <p:nvPr>
+            <p:ph idx="1"/>
+          </p:nvPr>
+        </p:nvSpPr>
         <p:spPr>
           <a:xfrm>
-            <a:off x="2363638" y="1973868"/>
-            <a:ext cx="7594121" cy="4392426"/>
+            <a:off x="838200" y="1233577"/>
+            <a:ext cx="10515600" cy="4943386"/>
           </a:xfrm>
-          <a:prstGeom prst="rect">
-            <a:avLst/>
-          </a:prstGeom>
         </p:spPr>
-      </p:pic>
+        <p:txBody>
+          <a:bodyPr/>
+          <a:lstStyle/>
+          <a:p>
+            <a:r>
+              <a:rPr lang="en-US" dirty="0" smtClean="0">
+                <a:hlinkClick r:id="rId2" action="ppaction://hlinkfile"/>
+              </a:rPr>
+              <a:t>Click here</a:t>
+            </a:r>
+            <a:endParaRPr lang="en-US" dirty="0"/>
+          </a:p>
+        </p:txBody>
+      </p:sp>
     </p:spTree>
     <p:extLst>
       <p:ext uri="{BB962C8B-B14F-4D97-AF65-F5344CB8AC3E}">
-        <p14:creationId xmlns:p14="http://schemas.microsoft.com/office/powerpoint/2010/main" val="3174520936"/>
+        <p14:creationId xmlns:p14="http://schemas.microsoft.com/office/powerpoint/2010/main" val="1679095750"/>
       </p:ext>
     </p:extLst>
   </p:cSld>
   <p:clrMapOvr>
     <a:masterClrMapping/>
   </p:clrMapOvr>
+  <p:timing>
+    <p:tnLst>
+      <p:par>
+        <p:cTn id="1" dur="indefinite" restart="never" nodeType="tmRoot"/>
+      </p:par>
+    </p:tnLst>
+  </p:timing>
 </p:sld>
 </file>
 
